--- a/src/test/resources/Test.pptx
+++ b/src/test/resources/Test.pptx
@@ -2362,6 +2362,753 @@
 </file>
 
 <file path=ppt/diagrams/colors4.xml><?xml version="1.0" encoding="utf-8"?>
+<dgm:colorsDef xmlns:dgm="http://schemas.openxmlformats.org/drawingml/2006/diagram" xmlns:a="http://schemas.openxmlformats.org/drawingml/2006/main" uniqueId="urn:microsoft.com/office/officeart/2005/8/colors/accent1_2">
+  <dgm:title val=""/>
+  <dgm:desc val=""/>
+  <dgm:catLst>
+    <dgm:cat type="accent1" pri="11200"/>
+  </dgm:catLst>
+  <dgm:styleLbl name="node0">
+    <dgm:fillClrLst meth="repeat">
+      <a:schemeClr val="accent1"/>
+    </dgm:fillClrLst>
+    <dgm:linClrLst meth="repeat">
+      <a:schemeClr val="lt1"/>
+    </dgm:linClrLst>
+    <dgm:effectClrLst/>
+    <dgm:txLinClrLst/>
+    <dgm:txFillClrLst/>
+    <dgm:txEffectClrLst/>
+  </dgm:styleLbl>
+  <dgm:styleLbl name="alignNode1">
+    <dgm:fillClrLst meth="repeat">
+      <a:schemeClr val="accent1"/>
+    </dgm:fillClrLst>
+    <dgm:linClrLst meth="repeat">
+      <a:schemeClr val="accent1"/>
+    </dgm:linClrLst>
+    <dgm:effectClrLst/>
+    <dgm:txLinClrLst/>
+    <dgm:txFillClrLst/>
+    <dgm:txEffectClrLst/>
+  </dgm:styleLbl>
+  <dgm:styleLbl name="node1">
+    <dgm:fillClrLst meth="repeat">
+      <a:schemeClr val="accent1"/>
+    </dgm:fillClrLst>
+    <dgm:linClrLst meth="repeat">
+      <a:schemeClr val="lt1"/>
+    </dgm:linClrLst>
+    <dgm:effectClrLst/>
+    <dgm:txLinClrLst/>
+    <dgm:txFillClrLst/>
+    <dgm:txEffectClrLst/>
+  </dgm:styleLbl>
+  <dgm:styleLbl name="lnNode1">
+    <dgm:fillClrLst meth="repeat">
+      <a:schemeClr val="accent1"/>
+    </dgm:fillClrLst>
+    <dgm:linClrLst meth="repeat">
+      <a:schemeClr val="lt1"/>
+    </dgm:linClrLst>
+    <dgm:effectClrLst/>
+    <dgm:txLinClrLst/>
+    <dgm:txFillClrLst/>
+    <dgm:txEffectClrLst/>
+  </dgm:styleLbl>
+  <dgm:styleLbl name="vennNode1">
+    <dgm:fillClrLst meth="repeat">
+      <a:schemeClr val="accent1">
+        <a:alpha val="50000"/>
+      </a:schemeClr>
+    </dgm:fillClrLst>
+    <dgm:linClrLst meth="repeat">
+      <a:schemeClr val="lt1"/>
+    </dgm:linClrLst>
+    <dgm:effectClrLst/>
+    <dgm:txLinClrLst/>
+    <dgm:txFillClrLst/>
+    <dgm:txEffectClrLst/>
+  </dgm:styleLbl>
+  <dgm:styleLbl name="node2">
+    <dgm:fillClrLst meth="repeat">
+      <a:schemeClr val="accent1"/>
+    </dgm:fillClrLst>
+    <dgm:linClrLst meth="repeat">
+      <a:schemeClr val="lt1"/>
+    </dgm:linClrLst>
+    <dgm:effectClrLst/>
+    <dgm:txLinClrLst/>
+    <dgm:txFillClrLst/>
+    <dgm:txEffectClrLst/>
+  </dgm:styleLbl>
+  <dgm:styleLbl name="node3">
+    <dgm:fillClrLst meth="repeat">
+      <a:schemeClr val="accent1"/>
+    </dgm:fillClrLst>
+    <dgm:linClrLst meth="repeat">
+      <a:schemeClr val="lt1"/>
+    </dgm:linClrLst>
+    <dgm:effectClrLst/>
+    <dgm:txLinClrLst/>
+    <dgm:txFillClrLst/>
+    <dgm:txEffectClrLst/>
+  </dgm:styleLbl>
+  <dgm:styleLbl name="node4">
+    <dgm:fillClrLst meth="repeat">
+      <a:schemeClr val="accent1"/>
+    </dgm:fillClrLst>
+    <dgm:linClrLst meth="repeat">
+      <a:schemeClr val="lt1"/>
+    </dgm:linClrLst>
+    <dgm:effectClrLst/>
+    <dgm:txLinClrLst/>
+    <dgm:txFillClrLst/>
+    <dgm:txEffectClrLst/>
+  </dgm:styleLbl>
+  <dgm:styleLbl name="fgImgPlace1">
+    <dgm:fillClrLst meth="repeat">
+      <a:schemeClr val="accent1">
+        <a:tint val="50000"/>
+      </a:schemeClr>
+    </dgm:fillClrLst>
+    <dgm:linClrLst meth="repeat">
+      <a:schemeClr val="lt1"/>
+    </dgm:linClrLst>
+    <dgm:effectClrLst/>
+    <dgm:txLinClrLst/>
+    <dgm:txFillClrLst meth="repeat">
+      <a:schemeClr val="lt1"/>
+    </dgm:txFillClrLst>
+    <dgm:txEffectClrLst/>
+  </dgm:styleLbl>
+  <dgm:styleLbl name="alignImgPlace1">
+    <dgm:fillClrLst meth="repeat">
+      <a:schemeClr val="accent1">
+        <a:tint val="50000"/>
+      </a:schemeClr>
+    </dgm:fillClrLst>
+    <dgm:linClrLst meth="repeat">
+      <a:schemeClr val="lt1"/>
+    </dgm:linClrLst>
+    <dgm:effectClrLst/>
+    <dgm:txLinClrLst/>
+    <dgm:txFillClrLst meth="repeat">
+      <a:schemeClr val="lt1"/>
+    </dgm:txFillClrLst>
+    <dgm:txEffectClrLst/>
+  </dgm:styleLbl>
+  <dgm:styleLbl name="bgImgPlace1">
+    <dgm:fillClrLst meth="repeat">
+      <a:schemeClr val="accent1">
+        <a:tint val="50000"/>
+      </a:schemeClr>
+    </dgm:fillClrLst>
+    <dgm:linClrLst meth="repeat">
+      <a:schemeClr val="lt1"/>
+    </dgm:linClrLst>
+    <dgm:effectClrLst/>
+    <dgm:txLinClrLst/>
+    <dgm:txFillClrLst meth="repeat">
+      <a:schemeClr val="lt1"/>
+    </dgm:txFillClrLst>
+    <dgm:txEffectClrLst/>
+  </dgm:styleLbl>
+  <dgm:styleLbl name="sibTrans2D1">
+    <dgm:fillClrLst meth="repeat">
+      <a:schemeClr val="accent1">
+        <a:tint val="60000"/>
+      </a:schemeClr>
+    </dgm:fillClrLst>
+    <dgm:linClrLst meth="repeat">
+      <a:schemeClr val="accent1">
+        <a:tint val="60000"/>
+      </a:schemeClr>
+    </dgm:linClrLst>
+    <dgm:effectClrLst/>
+    <dgm:txLinClrLst/>
+    <dgm:txFillClrLst/>
+    <dgm:txEffectClrLst/>
+  </dgm:styleLbl>
+  <dgm:styleLbl name="fgSibTrans2D1">
+    <dgm:fillClrLst meth="repeat">
+      <a:schemeClr val="accent1">
+        <a:tint val="60000"/>
+      </a:schemeClr>
+    </dgm:fillClrLst>
+    <dgm:linClrLst meth="repeat">
+      <a:schemeClr val="accent1">
+        <a:tint val="60000"/>
+      </a:schemeClr>
+    </dgm:linClrLst>
+    <dgm:effectClrLst/>
+    <dgm:txLinClrLst/>
+    <dgm:txFillClrLst/>
+    <dgm:txEffectClrLst/>
+  </dgm:styleLbl>
+  <dgm:styleLbl name="bgSibTrans2D1">
+    <dgm:fillClrLst meth="repeat">
+      <a:schemeClr val="accent1">
+        <a:tint val="60000"/>
+      </a:schemeClr>
+    </dgm:fillClrLst>
+    <dgm:linClrLst meth="repeat">
+      <a:schemeClr val="accent1">
+        <a:tint val="60000"/>
+      </a:schemeClr>
+    </dgm:linClrLst>
+    <dgm:effectClrLst/>
+    <dgm:txLinClrLst/>
+    <dgm:txFillClrLst/>
+    <dgm:txEffectClrLst/>
+  </dgm:styleLbl>
+  <dgm:styleLbl name="sibTrans1D1">
+    <dgm:fillClrLst meth="repeat">
+      <a:schemeClr val="accent1"/>
+    </dgm:fillClrLst>
+    <dgm:linClrLst meth="repeat">
+      <a:schemeClr val="accent1"/>
+    </dgm:linClrLst>
+    <dgm:effectClrLst/>
+    <dgm:txLinClrLst/>
+    <dgm:txFillClrLst meth="repeat">
+      <a:schemeClr val="tx1"/>
+    </dgm:txFillClrLst>
+    <dgm:txEffectClrLst/>
+  </dgm:styleLbl>
+  <dgm:styleLbl name="callout">
+    <dgm:fillClrLst meth="repeat">
+      <a:schemeClr val="accent1"/>
+    </dgm:fillClrLst>
+    <dgm:linClrLst meth="repeat">
+      <a:schemeClr val="accent1">
+        <a:tint val="50000"/>
+      </a:schemeClr>
+    </dgm:linClrLst>
+    <dgm:effectClrLst/>
+    <dgm:txLinClrLst/>
+    <dgm:txFillClrLst meth="repeat">
+      <a:schemeClr val="tx1"/>
+    </dgm:txFillClrLst>
+    <dgm:txEffectClrLst/>
+  </dgm:styleLbl>
+  <dgm:styleLbl name="asst0">
+    <dgm:fillClrLst meth="repeat">
+      <a:schemeClr val="accent1"/>
+    </dgm:fillClrLst>
+    <dgm:linClrLst meth="repeat">
+      <a:schemeClr val="lt1"/>
+    </dgm:linClrLst>
+    <dgm:effectClrLst/>
+    <dgm:txLinClrLst/>
+    <dgm:txFillClrLst/>
+    <dgm:txEffectClrLst/>
+  </dgm:styleLbl>
+  <dgm:styleLbl name="asst1">
+    <dgm:fillClrLst meth="repeat">
+      <a:schemeClr val="accent1"/>
+    </dgm:fillClrLst>
+    <dgm:linClrLst meth="repeat">
+      <a:schemeClr val="lt1"/>
+    </dgm:linClrLst>
+    <dgm:effectClrLst/>
+    <dgm:txLinClrLst/>
+    <dgm:txFillClrLst/>
+    <dgm:txEffectClrLst/>
+  </dgm:styleLbl>
+  <dgm:styleLbl name="asst2">
+    <dgm:fillClrLst meth="repeat">
+      <a:schemeClr val="accent1"/>
+    </dgm:fillClrLst>
+    <dgm:linClrLst meth="repeat">
+      <a:schemeClr val="lt1"/>
+    </dgm:linClrLst>
+    <dgm:effectClrLst/>
+    <dgm:txLinClrLst/>
+    <dgm:txFillClrLst/>
+    <dgm:txEffectClrLst/>
+  </dgm:styleLbl>
+  <dgm:styleLbl name="asst3">
+    <dgm:fillClrLst meth="repeat">
+      <a:schemeClr val="accent1"/>
+    </dgm:fillClrLst>
+    <dgm:linClrLst meth="repeat">
+      <a:schemeClr val="lt1"/>
+    </dgm:linClrLst>
+    <dgm:effectClrLst/>
+    <dgm:txLinClrLst/>
+    <dgm:txFillClrLst/>
+    <dgm:txEffectClrLst/>
+  </dgm:styleLbl>
+  <dgm:styleLbl name="asst4">
+    <dgm:fillClrLst meth="repeat">
+      <a:schemeClr val="accent1"/>
+    </dgm:fillClrLst>
+    <dgm:linClrLst meth="repeat">
+      <a:schemeClr val="lt1"/>
+    </dgm:linClrLst>
+    <dgm:effectClrLst/>
+    <dgm:txLinClrLst/>
+    <dgm:txFillClrLst/>
+    <dgm:txEffectClrLst/>
+  </dgm:styleLbl>
+  <dgm:styleLbl name="parChTrans2D1">
+    <dgm:fillClrLst meth="repeat">
+      <a:schemeClr val="accent1">
+        <a:tint val="60000"/>
+      </a:schemeClr>
+    </dgm:fillClrLst>
+    <dgm:linClrLst meth="repeat">
+      <a:schemeClr val="accent1">
+        <a:tint val="60000"/>
+      </a:schemeClr>
+    </dgm:linClrLst>
+    <dgm:effectClrLst/>
+    <dgm:txLinClrLst/>
+    <dgm:txFillClrLst meth="repeat">
+      <a:schemeClr val="lt1"/>
+    </dgm:txFillClrLst>
+    <dgm:txEffectClrLst/>
+  </dgm:styleLbl>
+  <dgm:styleLbl name="parChTrans2D2">
+    <dgm:fillClrLst meth="repeat">
+      <a:schemeClr val="accent1"/>
+    </dgm:fillClrLst>
+    <dgm:linClrLst meth="repeat">
+      <a:schemeClr val="accent1"/>
+    </dgm:linClrLst>
+    <dgm:effectClrLst/>
+    <dgm:txLinClrLst/>
+    <dgm:txFillClrLst meth="repeat">
+      <a:schemeClr val="lt1"/>
+    </dgm:txFillClrLst>
+    <dgm:txEffectClrLst/>
+  </dgm:styleLbl>
+  <dgm:styleLbl name="parChTrans2D3">
+    <dgm:fillClrLst meth="repeat">
+      <a:schemeClr val="accent1"/>
+    </dgm:fillClrLst>
+    <dgm:linClrLst meth="repeat">
+      <a:schemeClr val="accent1"/>
+    </dgm:linClrLst>
+    <dgm:effectClrLst/>
+    <dgm:txLinClrLst/>
+    <dgm:txFillClrLst meth="repeat">
+      <a:schemeClr val="lt1"/>
+    </dgm:txFillClrLst>
+    <dgm:txEffectClrLst/>
+  </dgm:styleLbl>
+  <dgm:styleLbl name="parChTrans2D4">
+    <dgm:fillClrLst meth="repeat">
+      <a:schemeClr val="accent1"/>
+    </dgm:fillClrLst>
+    <dgm:linClrLst meth="repeat">
+      <a:schemeClr val="accent1"/>
+    </dgm:linClrLst>
+    <dgm:effectClrLst/>
+    <dgm:txLinClrLst/>
+    <dgm:txFillClrLst meth="repeat">
+      <a:schemeClr val="lt1"/>
+    </dgm:txFillClrLst>
+    <dgm:txEffectClrLst/>
+  </dgm:styleLbl>
+  <dgm:styleLbl name="parChTrans1D1">
+    <dgm:fillClrLst meth="repeat">
+      <a:schemeClr val="accent1"/>
+    </dgm:fillClrLst>
+    <dgm:linClrLst meth="repeat">
+      <a:schemeClr val="accent1">
+        <a:shade val="60000"/>
+      </a:schemeClr>
+    </dgm:linClrLst>
+    <dgm:effectClrLst/>
+    <dgm:txLinClrLst/>
+    <dgm:txFillClrLst meth="repeat">
+      <a:schemeClr val="tx1"/>
+    </dgm:txFillClrLst>
+    <dgm:txEffectClrLst/>
+  </dgm:styleLbl>
+  <dgm:styleLbl name="parChTrans1D2">
+    <dgm:fillClrLst meth="repeat">
+      <a:schemeClr val="accent1"/>
+    </dgm:fillClrLst>
+    <dgm:linClrLst meth="repeat">
+      <a:schemeClr val="accent1">
+        <a:shade val="60000"/>
+      </a:schemeClr>
+    </dgm:linClrLst>
+    <dgm:effectClrLst/>
+    <dgm:txLinClrLst/>
+    <dgm:txFillClrLst meth="repeat">
+      <a:schemeClr val="tx1"/>
+    </dgm:txFillClrLst>
+    <dgm:txEffectClrLst/>
+  </dgm:styleLbl>
+  <dgm:styleLbl name="parChTrans1D3">
+    <dgm:fillClrLst meth="repeat">
+      <a:schemeClr val="accent1"/>
+    </dgm:fillClrLst>
+    <dgm:linClrLst meth="repeat">
+      <a:schemeClr val="accent1">
+        <a:shade val="80000"/>
+      </a:schemeClr>
+    </dgm:linClrLst>
+    <dgm:effectClrLst/>
+    <dgm:txLinClrLst/>
+    <dgm:txFillClrLst meth="repeat">
+      <a:schemeClr val="tx1"/>
+    </dgm:txFillClrLst>
+    <dgm:txEffectClrLst/>
+  </dgm:styleLbl>
+  <dgm:styleLbl name="parChTrans1D4">
+    <dgm:fillClrLst meth="repeat">
+      <a:schemeClr val="accent1"/>
+    </dgm:fillClrLst>
+    <dgm:linClrLst meth="repeat">
+      <a:schemeClr val="accent1">
+        <a:shade val="80000"/>
+      </a:schemeClr>
+    </dgm:linClrLst>
+    <dgm:effectClrLst/>
+    <dgm:txLinClrLst/>
+    <dgm:txFillClrLst meth="repeat">
+      <a:schemeClr val="tx1"/>
+    </dgm:txFillClrLst>
+    <dgm:txEffectClrLst/>
+  </dgm:styleLbl>
+  <dgm:styleLbl name="fgAcc1">
+    <dgm:fillClrLst meth="repeat">
+      <a:schemeClr val="lt1">
+        <a:alpha val="90000"/>
+      </a:schemeClr>
+    </dgm:fillClrLst>
+    <dgm:linClrLst meth="repeat">
+      <a:schemeClr val="accent1"/>
+    </dgm:linClrLst>
+    <dgm:effectClrLst/>
+    <dgm:txLinClrLst/>
+    <dgm:txFillClrLst meth="repeat">
+      <a:schemeClr val="dk1"/>
+    </dgm:txFillClrLst>
+    <dgm:txEffectClrLst/>
+  </dgm:styleLbl>
+  <dgm:styleLbl name="conFgAcc1">
+    <dgm:fillClrLst meth="repeat">
+      <a:schemeClr val="lt1">
+        <a:alpha val="90000"/>
+      </a:schemeClr>
+    </dgm:fillClrLst>
+    <dgm:linClrLst meth="repeat">
+      <a:schemeClr val="accent1"/>
+    </dgm:linClrLst>
+    <dgm:effectClrLst/>
+    <dgm:txLinClrLst/>
+    <dgm:txFillClrLst meth="repeat">
+      <a:schemeClr val="dk1"/>
+    </dgm:txFillClrLst>
+    <dgm:txEffectClrLst/>
+  </dgm:styleLbl>
+  <dgm:styleLbl name="alignAcc1">
+    <dgm:fillClrLst meth="repeat">
+      <a:schemeClr val="lt1">
+        <a:alpha val="90000"/>
+      </a:schemeClr>
+    </dgm:fillClrLst>
+    <dgm:linClrLst meth="repeat">
+      <a:schemeClr val="accent1"/>
+    </dgm:linClrLst>
+    <dgm:effectClrLst/>
+    <dgm:txLinClrLst/>
+    <dgm:txFillClrLst meth="repeat">
+      <a:schemeClr val="dk1"/>
+    </dgm:txFillClrLst>
+    <dgm:txEffectClrLst/>
+  </dgm:styleLbl>
+  <dgm:styleLbl name="trAlignAcc1">
+    <dgm:fillClrLst meth="repeat">
+      <a:schemeClr val="lt1">
+        <a:alpha val="40000"/>
+      </a:schemeClr>
+    </dgm:fillClrLst>
+    <dgm:linClrLst meth="repeat">
+      <a:schemeClr val="accent1"/>
+    </dgm:linClrLst>
+    <dgm:effectClrLst/>
+    <dgm:txLinClrLst/>
+    <dgm:txFillClrLst meth="repeat">
+      <a:schemeClr val="dk1"/>
+    </dgm:txFillClrLst>
+    <dgm:txEffectClrLst/>
+  </dgm:styleLbl>
+  <dgm:styleLbl name="bgAcc1">
+    <dgm:fillClrLst meth="repeat">
+      <a:schemeClr val="lt1">
+        <a:alpha val="90000"/>
+      </a:schemeClr>
+    </dgm:fillClrLst>
+    <dgm:linClrLst meth="repeat">
+      <a:schemeClr val="accent1"/>
+    </dgm:linClrLst>
+    <dgm:effectClrLst/>
+    <dgm:txLinClrLst/>
+    <dgm:txFillClrLst meth="repeat">
+      <a:schemeClr val="dk1"/>
+    </dgm:txFillClrLst>
+    <dgm:txEffectClrLst/>
+  </dgm:styleLbl>
+  <dgm:styleLbl name="solidFgAcc1">
+    <dgm:fillClrLst meth="repeat">
+      <a:schemeClr val="lt1"/>
+    </dgm:fillClrLst>
+    <dgm:linClrLst meth="repeat">
+      <a:schemeClr val="accent1"/>
+    </dgm:linClrLst>
+    <dgm:effectClrLst/>
+    <dgm:txLinClrLst/>
+    <dgm:txFillClrLst meth="repeat">
+      <a:schemeClr val="dk1"/>
+    </dgm:txFillClrLst>
+    <dgm:txEffectClrLst/>
+  </dgm:styleLbl>
+  <dgm:styleLbl name="solidAlignAcc1">
+    <dgm:fillClrLst meth="repeat">
+      <a:schemeClr val="lt1"/>
+    </dgm:fillClrLst>
+    <dgm:linClrLst meth="repeat">
+      <a:schemeClr val="accent1"/>
+    </dgm:linClrLst>
+    <dgm:effectClrLst/>
+    <dgm:txLinClrLst/>
+    <dgm:txFillClrLst meth="repeat">
+      <a:schemeClr val="dk1"/>
+    </dgm:txFillClrLst>
+    <dgm:txEffectClrLst/>
+  </dgm:styleLbl>
+  <dgm:styleLbl name="solidBgAcc1">
+    <dgm:fillClrLst meth="repeat">
+      <a:schemeClr val="lt1"/>
+    </dgm:fillClrLst>
+    <dgm:linClrLst meth="repeat">
+      <a:schemeClr val="accent1"/>
+    </dgm:linClrLst>
+    <dgm:effectClrLst/>
+    <dgm:txLinClrLst/>
+    <dgm:txFillClrLst meth="repeat">
+      <a:schemeClr val="dk1"/>
+    </dgm:txFillClrLst>
+    <dgm:txEffectClrLst/>
+  </dgm:styleLbl>
+  <dgm:styleLbl name="fgAccFollowNode1">
+    <dgm:fillClrLst meth="repeat">
+      <a:schemeClr val="accent1">
+        <a:alpha val="90000"/>
+        <a:tint val="40000"/>
+      </a:schemeClr>
+    </dgm:fillClrLst>
+    <dgm:linClrLst meth="repeat">
+      <a:schemeClr val="accent1">
+        <a:alpha val="90000"/>
+        <a:tint val="40000"/>
+      </a:schemeClr>
+    </dgm:linClrLst>
+    <dgm:effectClrLst/>
+    <dgm:txLinClrLst/>
+    <dgm:txFillClrLst meth="repeat">
+      <a:schemeClr val="dk1"/>
+    </dgm:txFillClrLst>
+    <dgm:txEffectClrLst/>
+  </dgm:styleLbl>
+  <dgm:styleLbl name="alignAccFollowNode1">
+    <dgm:fillClrLst meth="repeat">
+      <a:schemeClr val="accent1">
+        <a:alpha val="90000"/>
+        <a:tint val="40000"/>
+      </a:schemeClr>
+    </dgm:fillClrLst>
+    <dgm:linClrLst meth="repeat">
+      <a:schemeClr val="accent1">
+        <a:alpha val="90000"/>
+        <a:tint val="40000"/>
+      </a:schemeClr>
+    </dgm:linClrLst>
+    <dgm:effectClrLst/>
+    <dgm:txLinClrLst/>
+    <dgm:txFillClrLst meth="repeat">
+      <a:schemeClr val="dk1"/>
+    </dgm:txFillClrLst>
+    <dgm:txEffectClrLst/>
+  </dgm:styleLbl>
+  <dgm:styleLbl name="bgAccFollowNode1">
+    <dgm:fillClrLst meth="repeat">
+      <a:schemeClr val="accent1">
+        <a:alpha val="90000"/>
+        <a:tint val="40000"/>
+      </a:schemeClr>
+    </dgm:fillClrLst>
+    <dgm:linClrLst meth="repeat">
+      <a:schemeClr val="accent1">
+        <a:alpha val="90000"/>
+        <a:tint val="40000"/>
+      </a:schemeClr>
+    </dgm:linClrLst>
+    <dgm:effectClrLst/>
+    <dgm:txLinClrLst/>
+    <dgm:txFillClrLst meth="repeat">
+      <a:schemeClr val="dk1"/>
+    </dgm:txFillClrLst>
+    <dgm:txEffectClrLst/>
+  </dgm:styleLbl>
+  <dgm:styleLbl name="fgAcc0">
+    <dgm:fillClrLst meth="repeat">
+      <a:schemeClr val="lt1">
+        <a:alpha val="90000"/>
+      </a:schemeClr>
+    </dgm:fillClrLst>
+    <dgm:linClrLst meth="repeat">
+      <a:schemeClr val="accent1"/>
+    </dgm:linClrLst>
+    <dgm:effectClrLst/>
+    <dgm:txLinClrLst/>
+    <dgm:txFillClrLst meth="repeat">
+      <a:schemeClr val="dk1"/>
+    </dgm:txFillClrLst>
+    <dgm:txEffectClrLst/>
+  </dgm:styleLbl>
+  <dgm:styleLbl name="fgAcc2">
+    <dgm:fillClrLst meth="repeat">
+      <a:schemeClr val="lt1">
+        <a:alpha val="90000"/>
+      </a:schemeClr>
+    </dgm:fillClrLst>
+    <dgm:linClrLst meth="repeat">
+      <a:schemeClr val="accent1"/>
+    </dgm:linClrLst>
+    <dgm:effectClrLst/>
+    <dgm:txLinClrLst/>
+    <dgm:txFillClrLst meth="repeat">
+      <a:schemeClr val="dk1"/>
+    </dgm:txFillClrLst>
+    <dgm:txEffectClrLst/>
+  </dgm:styleLbl>
+  <dgm:styleLbl name="fgAcc3">
+    <dgm:fillClrLst meth="repeat">
+      <a:schemeClr val="lt1">
+        <a:alpha val="90000"/>
+      </a:schemeClr>
+    </dgm:fillClrLst>
+    <dgm:linClrLst meth="repeat">
+      <a:schemeClr val="accent1"/>
+    </dgm:linClrLst>
+    <dgm:effectClrLst/>
+    <dgm:txLinClrLst/>
+    <dgm:txFillClrLst meth="repeat">
+      <a:schemeClr val="dk1"/>
+    </dgm:txFillClrLst>
+    <dgm:txEffectClrLst/>
+  </dgm:styleLbl>
+  <dgm:styleLbl name="fgAcc4">
+    <dgm:fillClrLst meth="repeat">
+      <a:schemeClr val="lt1">
+        <a:alpha val="90000"/>
+      </a:schemeClr>
+    </dgm:fillClrLst>
+    <dgm:linClrLst meth="repeat">
+      <a:schemeClr val="accent1"/>
+    </dgm:linClrLst>
+    <dgm:effectClrLst/>
+    <dgm:txLinClrLst/>
+    <dgm:txFillClrLst meth="repeat">
+      <a:schemeClr val="dk1"/>
+    </dgm:txFillClrLst>
+    <dgm:txEffectClrLst/>
+  </dgm:styleLbl>
+  <dgm:styleLbl name="bgShp">
+    <dgm:fillClrLst meth="repeat">
+      <a:schemeClr val="accent1">
+        <a:tint val="40000"/>
+      </a:schemeClr>
+    </dgm:fillClrLst>
+    <dgm:linClrLst meth="repeat">
+      <a:schemeClr val="accent1"/>
+    </dgm:linClrLst>
+    <dgm:effectClrLst/>
+    <dgm:txLinClrLst/>
+    <dgm:txFillClrLst meth="repeat">
+      <a:schemeClr val="dk1"/>
+    </dgm:txFillClrLst>
+    <dgm:txEffectClrLst/>
+  </dgm:styleLbl>
+  <dgm:styleLbl name="dkBgShp">
+    <dgm:fillClrLst meth="repeat">
+      <a:schemeClr val="accent1">
+        <a:shade val="80000"/>
+      </a:schemeClr>
+    </dgm:fillClrLst>
+    <dgm:linClrLst meth="repeat">
+      <a:schemeClr val="accent1"/>
+    </dgm:linClrLst>
+    <dgm:effectClrLst/>
+    <dgm:txLinClrLst/>
+    <dgm:txFillClrLst meth="repeat">
+      <a:schemeClr val="lt1"/>
+    </dgm:txFillClrLst>
+    <dgm:txEffectClrLst/>
+  </dgm:styleLbl>
+  <dgm:styleLbl name="trBgShp">
+    <dgm:fillClrLst meth="repeat">
+      <a:schemeClr val="accent1">
+        <a:tint val="50000"/>
+        <a:alpha val="40000"/>
+      </a:schemeClr>
+    </dgm:fillClrLst>
+    <dgm:linClrLst meth="repeat">
+      <a:schemeClr val="accent1"/>
+    </dgm:linClrLst>
+    <dgm:effectClrLst/>
+    <dgm:txLinClrLst/>
+    <dgm:txFillClrLst meth="repeat">
+      <a:schemeClr val="lt1"/>
+    </dgm:txFillClrLst>
+    <dgm:txEffectClrLst/>
+  </dgm:styleLbl>
+  <dgm:styleLbl name="fgShp">
+    <dgm:fillClrLst meth="repeat">
+      <a:schemeClr val="accent1">
+        <a:tint val="60000"/>
+      </a:schemeClr>
+    </dgm:fillClrLst>
+    <dgm:linClrLst meth="repeat">
+      <a:schemeClr val="lt1"/>
+    </dgm:linClrLst>
+    <dgm:effectClrLst/>
+    <dgm:txLinClrLst/>
+    <dgm:txFillClrLst meth="repeat">
+      <a:schemeClr val="dk1"/>
+    </dgm:txFillClrLst>
+    <dgm:txEffectClrLst/>
+  </dgm:styleLbl>
+  <dgm:styleLbl name="revTx">
+    <dgm:fillClrLst meth="repeat">
+      <a:schemeClr val="lt1">
+        <a:alpha val="0"/>
+      </a:schemeClr>
+    </dgm:fillClrLst>
+    <dgm:linClrLst meth="repeat">
+      <a:schemeClr val="dk1">
+        <a:alpha val="0"/>
+      </a:schemeClr>
+    </dgm:linClrLst>
+    <dgm:effectClrLst/>
+    <dgm:txLinClrLst/>
+    <dgm:txFillClrLst meth="repeat">
+      <a:schemeClr val="tx1"/>
+    </dgm:txFillClrLst>
+    <dgm:txEffectClrLst/>
+  </dgm:styleLbl>
+</dgm:colorsDef>
+</file>
+
+<file path=ppt/diagrams/colors5.xml><?xml version="1.0" encoding="utf-8"?>
 <dgm:colorsDef xmlns:dgm="http://schemas.openxmlformats.org/drawingml/2006/diagram" xmlns:a="http://schemas.openxmlformats.org/drawingml/2006/main" uniqueId="urn:microsoft.com/office/officeart/2005/8/colors/accent1_2">
   <dgm:title val=""/>
   <dgm:desc val=""/>
@@ -4703,6 +5450,323 @@
   <dgm:extLst>
     <a:ext uri="http://schemas.microsoft.com/office/drawing/2008/diagram">
       <dsp:dataModelExt xmlns:dsp="http://schemas.microsoft.com/office/drawing/2008/diagram" relId="rId8" minVer="http://schemas.openxmlformats.org/drawingml/2006/diagram"/>
+    </a:ext>
+  </dgm:extLst>
+</dgm:dataModel>
+</file>
+
+<file path=ppt/diagrams/data5.xml><?xml version="1.0" encoding="utf-8"?>
+<dgm:dataModel xmlns:dgm="http://schemas.openxmlformats.org/drawingml/2006/diagram" xmlns:a="http://schemas.openxmlformats.org/drawingml/2006/main">
+  <dgm:ptLst>
+    <dgm:pt modelId="{816D3AAC-ED2C-48C7-B540-C43D67629F27}" type="doc">
+      <dgm:prSet loTypeId="urn:microsoft.com/office/officeart/2008/layout/AccentedPicture" loCatId="picture" qsTypeId="urn:microsoft.com/office/officeart/2005/8/quickstyle/simple1" qsCatId="simple" csTypeId="urn:microsoft.com/office/officeart/2005/8/colors/accent1_2" csCatId="accent1" phldr="1"/>
+      <dgm:spPr/>
+      <dgm:t>
+        <a:bodyPr/>
+        <a:lstStyle/>
+        <a:p>
+          <a:endParaRPr lang="zh-CN" altLang="en-US"/>
+        </a:p>
+      </dgm:t>
+    </dgm:pt>
+    <dgm:pt modelId="{A7D70BA9-6F2F-4743-9C47-123C3C6EBFF2}">
+      <dgm:prSet phldrT="[文本]" phldr="1"/>
+      <dgm:spPr/>
+      <dgm:t>
+        <a:bodyPr/>
+        <a:lstStyle/>
+        <a:p>
+          <a:endParaRPr lang="zh-CN" altLang="en-US"/>
+        </a:p>
+      </dgm:t>
+    </dgm:pt>
+    <dgm:pt modelId="{96EB7DE6-AE6F-4FB1-9037-6F5FFBDB41D0}" type="parTrans" cxnId="{DED6FC48-BE27-4C27-831F-78672304014E}">
+      <dgm:prSet/>
+      <dgm:spPr/>
+      <dgm:t>
+        <a:bodyPr/>
+        <a:lstStyle/>
+        <a:p>
+          <a:endParaRPr lang="zh-CN" altLang="en-US"/>
+        </a:p>
+      </dgm:t>
+    </dgm:pt>
+    <dgm:pt modelId="{C506D415-B563-485B-AF23-22FD75906271}" type="sibTrans" cxnId="{DED6FC48-BE27-4C27-831F-78672304014E}">
+      <dgm:prSet/>
+      <dgm:spPr/>
+      <dgm:t>
+        <a:bodyPr/>
+        <a:lstStyle/>
+        <a:p>
+          <a:endParaRPr lang="zh-CN" altLang="en-US"/>
+        </a:p>
+      </dgm:t>
+    </dgm:pt>
+    <dgm:pt modelId="{A8FCB69D-9E16-4D28-A763-7EDAB355BA2F}">
+      <dgm:prSet phldrT="[文本]" phldr="1"/>
+      <dgm:spPr/>
+      <dgm:t>
+        <a:bodyPr/>
+        <a:lstStyle/>
+        <a:p>
+          <a:endParaRPr lang="zh-CN" altLang="en-US"/>
+        </a:p>
+      </dgm:t>
+    </dgm:pt>
+    <dgm:pt modelId="{AC1DD821-A7DE-4F7C-9A46-475D2D7F9862}" type="parTrans" cxnId="{34879432-5338-4F53-B6E6-DB4E3544B888}">
+      <dgm:prSet/>
+      <dgm:spPr/>
+      <dgm:t>
+        <a:bodyPr/>
+        <a:lstStyle/>
+        <a:p>
+          <a:endParaRPr lang="zh-CN" altLang="en-US"/>
+        </a:p>
+      </dgm:t>
+    </dgm:pt>
+    <dgm:pt modelId="{E7560E97-B62A-4AB9-937C-D7DE1CC1F306}" type="sibTrans" cxnId="{34879432-5338-4F53-B6E6-DB4E3544B888}">
+      <dgm:prSet/>
+      <dgm:spPr/>
+      <dgm:t>
+        <a:bodyPr/>
+        <a:lstStyle/>
+        <a:p>
+          <a:endParaRPr lang="zh-CN" altLang="en-US"/>
+        </a:p>
+      </dgm:t>
+    </dgm:pt>
+    <dgm:pt modelId="{9C718DA8-C879-4E74-865D-38E9DAF64475}">
+      <dgm:prSet phldrT="[文本]" phldr="1"/>
+      <dgm:spPr/>
+      <dgm:t>
+        <a:bodyPr/>
+        <a:lstStyle/>
+        <a:p>
+          <a:endParaRPr lang="zh-CN" altLang="en-US"/>
+        </a:p>
+      </dgm:t>
+    </dgm:pt>
+    <dgm:pt modelId="{00DFC25B-561B-425D-B6F8-B16DC8358628}" type="parTrans" cxnId="{797106F5-26DC-4592-BE2E-8050BEB51685}">
+      <dgm:prSet/>
+      <dgm:spPr/>
+      <dgm:t>
+        <a:bodyPr/>
+        <a:lstStyle/>
+        <a:p>
+          <a:endParaRPr lang="zh-CN" altLang="en-US"/>
+        </a:p>
+      </dgm:t>
+    </dgm:pt>
+    <dgm:pt modelId="{AF0FC8DA-38AE-45B2-B68A-97940B63DAF4}" type="sibTrans" cxnId="{797106F5-26DC-4592-BE2E-8050BEB51685}">
+      <dgm:prSet/>
+      <dgm:spPr/>
+      <dgm:t>
+        <a:bodyPr/>
+        <a:lstStyle/>
+        <a:p>
+          <a:endParaRPr lang="zh-CN" altLang="en-US"/>
+        </a:p>
+      </dgm:t>
+    </dgm:pt>
+    <dgm:pt modelId="{31EF5F3C-8F35-4DF6-A1B4-4278D9957C1C}">
+      <dgm:prSet phldrT="[文本]" phldr="1"/>
+      <dgm:spPr/>
+      <dgm:t>
+        <a:bodyPr/>
+        <a:lstStyle/>
+        <a:p>
+          <a:endParaRPr lang="zh-CN" altLang="en-US"/>
+        </a:p>
+      </dgm:t>
+    </dgm:pt>
+    <dgm:pt modelId="{5A41C14B-31CA-4E09-992D-63CEB5FF8C05}" type="parTrans" cxnId="{01636162-8504-4C34-91C0-8B1F209F0E35}">
+      <dgm:prSet/>
+      <dgm:spPr/>
+      <dgm:t>
+        <a:bodyPr/>
+        <a:lstStyle/>
+        <a:p>
+          <a:endParaRPr lang="zh-CN" altLang="en-US"/>
+        </a:p>
+      </dgm:t>
+    </dgm:pt>
+    <dgm:pt modelId="{4FFB5BAB-3337-47DC-8F99-B5769A0B5DB7}" type="sibTrans" cxnId="{01636162-8504-4C34-91C0-8B1F209F0E35}">
+      <dgm:prSet/>
+      <dgm:spPr/>
+      <dgm:t>
+        <a:bodyPr/>
+        <a:lstStyle/>
+        <a:p>
+          <a:endParaRPr lang="zh-CN" altLang="en-US"/>
+        </a:p>
+      </dgm:t>
+    </dgm:pt>
+    <dgm:pt modelId="{9C291657-0799-4439-8004-D00D372B4341}" type="pres">
+      <dgm:prSet presAssocID="{816D3AAC-ED2C-48C7-B540-C43D67629F27}" presName="Name0" presStyleCnt="0">
+        <dgm:presLayoutVars>
+          <dgm:dir/>
+        </dgm:presLayoutVars>
+      </dgm:prSet>
+      <dgm:spPr/>
+    </dgm:pt>
+    <dgm:pt modelId="{9D2DB15B-6517-43F8-9B18-66B7B65B50DD}" type="pres">
+      <dgm:prSet presAssocID="{C506D415-B563-485B-AF23-22FD75906271}" presName="picture_1" presStyleLbl="bgImgPlace1" presStyleIdx="0" presStyleCnt="1"/>
+      <dgm:spPr/>
+    </dgm:pt>
+    <dgm:pt modelId="{81706A52-5F8B-4F5C-806C-47C2DE38A756}" type="pres">
+      <dgm:prSet presAssocID="{A7D70BA9-6F2F-4743-9C47-123C3C6EBFF2}" presName="text_1" presStyleLbl="node1" presStyleIdx="0" presStyleCnt="0">
+        <dgm:presLayoutVars>
+          <dgm:bulletEnabled val="1"/>
+        </dgm:presLayoutVars>
+      </dgm:prSet>
+      <dgm:spPr/>
+    </dgm:pt>
+    <dgm:pt modelId="{F43D9C52-B3AE-4323-B26B-87EDB3DA10F9}" type="pres">
+      <dgm:prSet presAssocID="{816D3AAC-ED2C-48C7-B540-C43D67629F27}" presName="linV" presStyleCnt="0"/>
+      <dgm:spPr/>
+    </dgm:pt>
+    <dgm:pt modelId="{664E7E60-C773-43C1-AC9B-78321CD21928}" type="pres">
+      <dgm:prSet presAssocID="{A8FCB69D-9E16-4D28-A763-7EDAB355BA2F}" presName="pair" presStyleCnt="0"/>
+      <dgm:spPr/>
+    </dgm:pt>
+    <dgm:pt modelId="{5B41C9A7-1CAE-4DD2-A161-54D7E29F6018}" type="pres">
+      <dgm:prSet presAssocID="{A8FCB69D-9E16-4D28-A763-7EDAB355BA2F}" presName="spaceH" presStyleLbl="node1" presStyleIdx="0" presStyleCnt="0"/>
+      <dgm:spPr/>
+    </dgm:pt>
+    <dgm:pt modelId="{5FF5EA50-B7DE-4FC0-B474-38EF10ABF020}" type="pres">
+      <dgm:prSet presAssocID="{A8FCB69D-9E16-4D28-A763-7EDAB355BA2F}" presName="desPictures" presStyleLbl="alignImgPlace1" presStyleIdx="0" presStyleCnt="3"/>
+      <dgm:spPr>
+        <a:blipFill>
+          <a:blip xmlns:r="http://schemas.openxmlformats.org/officeDocument/2006/relationships" r:embed="rId1">
+            <a:extLst>
+              <a:ext uri="{28A0092B-C50C-407E-A947-70E740481C1C}">
+                <a14:useLocalDpi xmlns:a14="http://schemas.microsoft.com/office/drawing/2010/main" val="0"/>
+              </a:ext>
+            </a:extLst>
+          </a:blip>
+          <a:srcRect/>
+          <a:stretch>
+            <a:fillRect/>
+          </a:stretch>
+        </a:blipFill>
+      </dgm:spPr>
+    </dgm:pt>
+    <dgm:pt modelId="{75778BCB-051E-4C45-82F6-462D18C8FA3E}" type="pres">
+      <dgm:prSet presAssocID="{A8FCB69D-9E16-4D28-A763-7EDAB355BA2F}" presName="desTextWrapper" presStyleCnt="0"/>
+      <dgm:spPr/>
+    </dgm:pt>
+    <dgm:pt modelId="{9A876EB0-BC34-4E94-9C94-9276CAFDCFBC}" type="pres">
+      <dgm:prSet presAssocID="{A8FCB69D-9E16-4D28-A763-7EDAB355BA2F}" presName="desText" presStyleLbl="revTx" presStyleIdx="0" presStyleCnt="3">
+        <dgm:presLayoutVars>
+          <dgm:bulletEnabled val="1"/>
+        </dgm:presLayoutVars>
+      </dgm:prSet>
+      <dgm:spPr/>
+    </dgm:pt>
+    <dgm:pt modelId="{2B504A9B-C39A-421E-B8C3-B6D5E212EC63}" type="pres">
+      <dgm:prSet presAssocID="{E7560E97-B62A-4AB9-937C-D7DE1CC1F306}" presName="spaceV" presStyleCnt="0"/>
+      <dgm:spPr/>
+    </dgm:pt>
+    <dgm:pt modelId="{93B61061-8EDA-460A-9268-41755B9D339E}" type="pres">
+      <dgm:prSet presAssocID="{9C718DA8-C879-4E74-865D-38E9DAF64475}" presName="pair" presStyleCnt="0"/>
+      <dgm:spPr/>
+    </dgm:pt>
+    <dgm:pt modelId="{08AF18BC-19EA-4AD2-872D-7EB5D58D036F}" type="pres">
+      <dgm:prSet presAssocID="{9C718DA8-C879-4E74-865D-38E9DAF64475}" presName="spaceH" presStyleLbl="node1" presStyleIdx="0" presStyleCnt="0"/>
+      <dgm:spPr/>
+    </dgm:pt>
+    <dgm:pt modelId="{3347A12F-07F2-4FC2-97A0-744C9EE79FC2}" type="pres">
+      <dgm:prSet presAssocID="{9C718DA8-C879-4E74-865D-38E9DAF64475}" presName="desPictures" presStyleLbl="alignImgPlace1" presStyleIdx="1" presStyleCnt="3"/>
+      <dgm:spPr/>
+    </dgm:pt>
+    <dgm:pt modelId="{50F2F4D4-B771-410E-AA4F-69E9A252C031}" type="pres">
+      <dgm:prSet presAssocID="{9C718DA8-C879-4E74-865D-38E9DAF64475}" presName="desTextWrapper" presStyleCnt="0"/>
+      <dgm:spPr/>
+    </dgm:pt>
+    <dgm:pt modelId="{0E60CA67-F85C-4546-AADE-980E51048F51}" type="pres">
+      <dgm:prSet presAssocID="{9C718DA8-C879-4E74-865D-38E9DAF64475}" presName="desText" presStyleLbl="revTx" presStyleIdx="1" presStyleCnt="3">
+        <dgm:presLayoutVars>
+          <dgm:bulletEnabled val="1"/>
+        </dgm:presLayoutVars>
+      </dgm:prSet>
+      <dgm:spPr/>
+    </dgm:pt>
+    <dgm:pt modelId="{8D4AEF8B-EDA8-4363-AD58-170752AB8931}" type="pres">
+      <dgm:prSet presAssocID="{AF0FC8DA-38AE-45B2-B68A-97940B63DAF4}" presName="spaceV" presStyleCnt="0"/>
+      <dgm:spPr/>
+    </dgm:pt>
+    <dgm:pt modelId="{79EB7060-FBCA-44E1-9B3B-EDA0FD56726C}" type="pres">
+      <dgm:prSet presAssocID="{31EF5F3C-8F35-4DF6-A1B4-4278D9957C1C}" presName="pair" presStyleCnt="0"/>
+      <dgm:spPr/>
+    </dgm:pt>
+    <dgm:pt modelId="{A408DB89-04DB-4711-9DEE-9B149BCDAADB}" type="pres">
+      <dgm:prSet presAssocID="{31EF5F3C-8F35-4DF6-A1B4-4278D9957C1C}" presName="spaceH" presStyleLbl="node1" presStyleIdx="0" presStyleCnt="0"/>
+      <dgm:spPr/>
+    </dgm:pt>
+    <dgm:pt modelId="{4FDD9C5A-1E55-4137-923F-5851D42CCF2B}" type="pres">
+      <dgm:prSet presAssocID="{31EF5F3C-8F35-4DF6-A1B4-4278D9957C1C}" presName="desPictures" presStyleLbl="alignImgPlace1" presStyleIdx="2" presStyleCnt="3"/>
+      <dgm:spPr/>
+    </dgm:pt>
+    <dgm:pt modelId="{14273C02-AE0C-46D0-BDF8-2564E28F5056}" type="pres">
+      <dgm:prSet presAssocID="{31EF5F3C-8F35-4DF6-A1B4-4278D9957C1C}" presName="desTextWrapper" presStyleCnt="0"/>
+      <dgm:spPr/>
+    </dgm:pt>
+    <dgm:pt modelId="{6D5BE3D9-133A-441B-B188-269D5F362F80}" type="pres">
+      <dgm:prSet presAssocID="{31EF5F3C-8F35-4DF6-A1B4-4278D9957C1C}" presName="desText" presStyleLbl="revTx" presStyleIdx="2" presStyleCnt="3">
+        <dgm:presLayoutVars>
+          <dgm:bulletEnabled val="1"/>
+        </dgm:presLayoutVars>
+      </dgm:prSet>
+      <dgm:spPr/>
+    </dgm:pt>
+    <dgm:pt modelId="{7933314E-1C76-415A-A617-B15C4CD6C16C}" type="pres">
+      <dgm:prSet presAssocID="{816D3AAC-ED2C-48C7-B540-C43D67629F27}" presName="maxNode" presStyleCnt="0"/>
+      <dgm:spPr/>
+    </dgm:pt>
+    <dgm:pt modelId="{B1BD5FFA-5C66-42C5-9F77-12D3F3C57E18}" type="pres">
+      <dgm:prSet presAssocID="{816D3AAC-ED2C-48C7-B540-C43D67629F27}" presName="Name33" presStyleCnt="0"/>
+      <dgm:spPr/>
+    </dgm:pt>
+  </dgm:ptLst>
+  <dgm:cxnLst>
+    <dgm:cxn modelId="{34879432-5338-4F53-B6E6-DB4E3544B888}" srcId="{816D3AAC-ED2C-48C7-B540-C43D67629F27}" destId="{A8FCB69D-9E16-4D28-A763-7EDAB355BA2F}" srcOrd="1" destOrd="0" parTransId="{AC1DD821-A7DE-4F7C-9A46-475D2D7F9862}" sibTransId="{E7560E97-B62A-4AB9-937C-D7DE1CC1F306}"/>
+    <dgm:cxn modelId="{A0289E60-2F3E-4810-B072-48ED2BC0061B}" type="presOf" srcId="{A7D70BA9-6F2F-4743-9C47-123C3C6EBFF2}" destId="{81706A52-5F8B-4F5C-806C-47C2DE38A756}" srcOrd="0" destOrd="0" presId="urn:microsoft.com/office/officeart/2008/layout/AccentedPicture"/>
+    <dgm:cxn modelId="{01636162-8504-4C34-91C0-8B1F209F0E35}" srcId="{816D3AAC-ED2C-48C7-B540-C43D67629F27}" destId="{31EF5F3C-8F35-4DF6-A1B4-4278D9957C1C}" srcOrd="3" destOrd="0" parTransId="{5A41C14B-31CA-4E09-992D-63CEB5FF8C05}" sibTransId="{4FFB5BAB-3337-47DC-8F99-B5769A0B5DB7}"/>
+    <dgm:cxn modelId="{DE4D3045-D7FC-44C7-A437-E9FE89981D06}" type="presOf" srcId="{9C718DA8-C879-4E74-865D-38E9DAF64475}" destId="{0E60CA67-F85C-4546-AADE-980E51048F51}" srcOrd="0" destOrd="0" presId="urn:microsoft.com/office/officeart/2008/layout/AccentedPicture"/>
+    <dgm:cxn modelId="{DED6FC48-BE27-4C27-831F-78672304014E}" srcId="{816D3AAC-ED2C-48C7-B540-C43D67629F27}" destId="{A7D70BA9-6F2F-4743-9C47-123C3C6EBFF2}" srcOrd="0" destOrd="0" parTransId="{96EB7DE6-AE6F-4FB1-9037-6F5FFBDB41D0}" sibTransId="{C506D415-B563-485B-AF23-22FD75906271}"/>
+    <dgm:cxn modelId="{9E591D69-BCBA-495C-A37C-49F8A43601D1}" type="presOf" srcId="{C506D415-B563-485B-AF23-22FD75906271}" destId="{9D2DB15B-6517-43F8-9B18-66B7B65B50DD}" srcOrd="0" destOrd="0" presId="urn:microsoft.com/office/officeart/2008/layout/AccentedPicture"/>
+    <dgm:cxn modelId="{ECFA14B6-7B27-495E-BF64-72181C880AE8}" type="presOf" srcId="{816D3AAC-ED2C-48C7-B540-C43D67629F27}" destId="{9C291657-0799-4439-8004-D00D372B4341}" srcOrd="0" destOrd="0" presId="urn:microsoft.com/office/officeart/2008/layout/AccentedPicture"/>
+    <dgm:cxn modelId="{2D0A2FE2-AD46-469D-B17A-ECBC2E2DC75B}" type="presOf" srcId="{A8FCB69D-9E16-4D28-A763-7EDAB355BA2F}" destId="{9A876EB0-BC34-4E94-9C94-9276CAFDCFBC}" srcOrd="0" destOrd="0" presId="urn:microsoft.com/office/officeart/2008/layout/AccentedPicture"/>
+    <dgm:cxn modelId="{1D388FF4-F6FD-4CE6-84DB-3CE78A741E96}" type="presOf" srcId="{31EF5F3C-8F35-4DF6-A1B4-4278D9957C1C}" destId="{6D5BE3D9-133A-441B-B188-269D5F362F80}" srcOrd="0" destOrd="0" presId="urn:microsoft.com/office/officeart/2008/layout/AccentedPicture"/>
+    <dgm:cxn modelId="{797106F5-26DC-4592-BE2E-8050BEB51685}" srcId="{816D3AAC-ED2C-48C7-B540-C43D67629F27}" destId="{9C718DA8-C879-4E74-865D-38E9DAF64475}" srcOrd="2" destOrd="0" parTransId="{00DFC25B-561B-425D-B6F8-B16DC8358628}" sibTransId="{AF0FC8DA-38AE-45B2-B68A-97940B63DAF4}"/>
+    <dgm:cxn modelId="{09D9835A-EC46-4A7D-A399-C6B145E88070}" type="presParOf" srcId="{9C291657-0799-4439-8004-D00D372B4341}" destId="{9D2DB15B-6517-43F8-9B18-66B7B65B50DD}" srcOrd="0" destOrd="0" presId="urn:microsoft.com/office/officeart/2008/layout/AccentedPicture"/>
+    <dgm:cxn modelId="{9782086F-3ACB-4514-91F8-ED80FF28CE9C}" type="presParOf" srcId="{9C291657-0799-4439-8004-D00D372B4341}" destId="{81706A52-5F8B-4F5C-806C-47C2DE38A756}" srcOrd="1" destOrd="0" presId="urn:microsoft.com/office/officeart/2008/layout/AccentedPicture"/>
+    <dgm:cxn modelId="{DBD776DD-2371-418E-B689-7D36BF50FEEB}" type="presParOf" srcId="{9C291657-0799-4439-8004-D00D372B4341}" destId="{F43D9C52-B3AE-4323-B26B-87EDB3DA10F9}" srcOrd="2" destOrd="0" presId="urn:microsoft.com/office/officeart/2008/layout/AccentedPicture"/>
+    <dgm:cxn modelId="{40677213-9CF1-4AC4-8E2C-869535D371DD}" type="presParOf" srcId="{F43D9C52-B3AE-4323-B26B-87EDB3DA10F9}" destId="{664E7E60-C773-43C1-AC9B-78321CD21928}" srcOrd="0" destOrd="0" presId="urn:microsoft.com/office/officeart/2008/layout/AccentedPicture"/>
+    <dgm:cxn modelId="{C0B8E33F-FF6B-48F0-A886-EC039616E1F9}" type="presParOf" srcId="{664E7E60-C773-43C1-AC9B-78321CD21928}" destId="{5B41C9A7-1CAE-4DD2-A161-54D7E29F6018}" srcOrd="0" destOrd="0" presId="urn:microsoft.com/office/officeart/2008/layout/AccentedPicture"/>
+    <dgm:cxn modelId="{223590F3-1973-452F-8D8D-BBD66B32A7D3}" type="presParOf" srcId="{664E7E60-C773-43C1-AC9B-78321CD21928}" destId="{5FF5EA50-B7DE-4FC0-B474-38EF10ABF020}" srcOrd="1" destOrd="0" presId="urn:microsoft.com/office/officeart/2008/layout/AccentedPicture"/>
+    <dgm:cxn modelId="{5477D4BA-717D-46F0-BF8E-D434C6BF85A8}" type="presParOf" srcId="{664E7E60-C773-43C1-AC9B-78321CD21928}" destId="{75778BCB-051E-4C45-82F6-462D18C8FA3E}" srcOrd="2" destOrd="0" presId="urn:microsoft.com/office/officeart/2008/layout/AccentedPicture"/>
+    <dgm:cxn modelId="{8045D909-0DC9-4FE7-A44C-FD1258193A5E}" type="presParOf" srcId="{75778BCB-051E-4C45-82F6-462D18C8FA3E}" destId="{9A876EB0-BC34-4E94-9C94-9276CAFDCFBC}" srcOrd="0" destOrd="0" presId="urn:microsoft.com/office/officeart/2008/layout/AccentedPicture"/>
+    <dgm:cxn modelId="{EFC31CF0-E847-4DEB-9A4E-011FD9A73793}" type="presParOf" srcId="{F43D9C52-B3AE-4323-B26B-87EDB3DA10F9}" destId="{2B504A9B-C39A-421E-B8C3-B6D5E212EC63}" srcOrd="1" destOrd="0" presId="urn:microsoft.com/office/officeart/2008/layout/AccentedPicture"/>
+    <dgm:cxn modelId="{5B949CD5-67BB-4CA8-B8A8-D4A8EEF8759D}" type="presParOf" srcId="{F43D9C52-B3AE-4323-B26B-87EDB3DA10F9}" destId="{93B61061-8EDA-460A-9268-41755B9D339E}" srcOrd="2" destOrd="0" presId="urn:microsoft.com/office/officeart/2008/layout/AccentedPicture"/>
+    <dgm:cxn modelId="{017D150E-70D5-42AB-9116-903CFF9A715A}" type="presParOf" srcId="{93B61061-8EDA-460A-9268-41755B9D339E}" destId="{08AF18BC-19EA-4AD2-872D-7EB5D58D036F}" srcOrd="0" destOrd="0" presId="urn:microsoft.com/office/officeart/2008/layout/AccentedPicture"/>
+    <dgm:cxn modelId="{182BCCB9-125D-4EC2-9458-506B85351AC2}" type="presParOf" srcId="{93B61061-8EDA-460A-9268-41755B9D339E}" destId="{3347A12F-07F2-4FC2-97A0-744C9EE79FC2}" srcOrd="1" destOrd="0" presId="urn:microsoft.com/office/officeart/2008/layout/AccentedPicture"/>
+    <dgm:cxn modelId="{2BC5D199-1F18-4C6F-AD2F-6A7EDD9883D9}" type="presParOf" srcId="{93B61061-8EDA-460A-9268-41755B9D339E}" destId="{50F2F4D4-B771-410E-AA4F-69E9A252C031}" srcOrd="2" destOrd="0" presId="urn:microsoft.com/office/officeart/2008/layout/AccentedPicture"/>
+    <dgm:cxn modelId="{B8DFC4B9-BBA4-4D12-B614-B752CF60D889}" type="presParOf" srcId="{50F2F4D4-B771-410E-AA4F-69E9A252C031}" destId="{0E60CA67-F85C-4546-AADE-980E51048F51}" srcOrd="0" destOrd="0" presId="urn:microsoft.com/office/officeart/2008/layout/AccentedPicture"/>
+    <dgm:cxn modelId="{498361F4-1755-4224-A63E-C160A06D211B}" type="presParOf" srcId="{F43D9C52-B3AE-4323-B26B-87EDB3DA10F9}" destId="{8D4AEF8B-EDA8-4363-AD58-170752AB8931}" srcOrd="3" destOrd="0" presId="urn:microsoft.com/office/officeart/2008/layout/AccentedPicture"/>
+    <dgm:cxn modelId="{0A8EF7B0-31AF-4DFD-B6A7-1E13907FCDB1}" type="presParOf" srcId="{F43D9C52-B3AE-4323-B26B-87EDB3DA10F9}" destId="{79EB7060-FBCA-44E1-9B3B-EDA0FD56726C}" srcOrd="4" destOrd="0" presId="urn:microsoft.com/office/officeart/2008/layout/AccentedPicture"/>
+    <dgm:cxn modelId="{D9ECF2A9-9C60-4944-9798-900E46A52961}" type="presParOf" srcId="{79EB7060-FBCA-44E1-9B3B-EDA0FD56726C}" destId="{A408DB89-04DB-4711-9DEE-9B149BCDAADB}" srcOrd="0" destOrd="0" presId="urn:microsoft.com/office/officeart/2008/layout/AccentedPicture"/>
+    <dgm:cxn modelId="{50138DC5-2716-402A-977F-37217125342F}" type="presParOf" srcId="{79EB7060-FBCA-44E1-9B3B-EDA0FD56726C}" destId="{4FDD9C5A-1E55-4137-923F-5851D42CCF2B}" srcOrd="1" destOrd="0" presId="urn:microsoft.com/office/officeart/2008/layout/AccentedPicture"/>
+    <dgm:cxn modelId="{2333E6C7-ED6C-4810-A64E-915D0A64BF91}" type="presParOf" srcId="{79EB7060-FBCA-44E1-9B3B-EDA0FD56726C}" destId="{14273C02-AE0C-46D0-BDF8-2564E28F5056}" srcOrd="2" destOrd="0" presId="urn:microsoft.com/office/officeart/2008/layout/AccentedPicture"/>
+    <dgm:cxn modelId="{EB6268FB-7F28-41F7-820E-5A281BF3A9AB}" type="presParOf" srcId="{14273C02-AE0C-46D0-BDF8-2564E28F5056}" destId="{6D5BE3D9-133A-441B-B188-269D5F362F80}" srcOrd="0" destOrd="0" presId="urn:microsoft.com/office/officeart/2008/layout/AccentedPicture"/>
+    <dgm:cxn modelId="{1BEDD2AD-8413-446C-BB7A-F94A15D46DA5}" type="presParOf" srcId="{9C291657-0799-4439-8004-D00D372B4341}" destId="{7933314E-1C76-415A-A617-B15C4CD6C16C}" srcOrd="3" destOrd="0" presId="urn:microsoft.com/office/officeart/2008/layout/AccentedPicture"/>
+    <dgm:cxn modelId="{004F4936-3E57-4C7A-9249-727E9A01F9F5}" type="presParOf" srcId="{7933314E-1C76-415A-A617-B15C4CD6C16C}" destId="{B1BD5FFA-5C66-42C5-9F77-12D3F3C57E18}" srcOrd="0" destOrd="0" presId="urn:microsoft.com/office/officeart/2008/layout/AccentedPicture"/>
+  </dgm:cxnLst>
+  <dgm:bg/>
+  <dgm:whole/>
+  <dgm:extLst>
+    <a:ext uri="http://schemas.microsoft.com/office/drawing/2008/diagram">
+      <dsp:dataModelExt xmlns:dsp="http://schemas.microsoft.com/office/drawing/2008/diagram" relId="rId9" minVer="http://schemas.openxmlformats.org/drawingml/2006/diagram"/>
     </a:ext>
   </dgm:extLst>
 </dgm:dataModel>
@@ -7517,6 +8581,451 @@
 </dsp:drawing>
 </file>
 
+<file path=ppt/diagrams/drawing5.xml><?xml version="1.0" encoding="utf-8"?>
+<dsp:drawing xmlns:dgm="http://schemas.openxmlformats.org/drawingml/2006/diagram" xmlns:dsp="http://schemas.microsoft.com/office/drawing/2008/diagram" xmlns:a="http://schemas.openxmlformats.org/drawingml/2006/main">
+  <dsp:spTree>
+    <dsp:nvGrpSpPr>
+      <dsp:cNvPr id="0" name=""/>
+      <dsp:cNvGrpSpPr/>
+    </dsp:nvGrpSpPr>
+    <dsp:grpSpPr/>
+    <dsp:sp modelId="{9D2DB15B-6517-43F8-9B18-66B7B65B50DD}">
+      <dsp:nvSpPr>
+        <dsp:cNvPr id="0" name=""/>
+        <dsp:cNvSpPr/>
+      </dsp:nvSpPr>
+      <dsp:spPr>
+        <a:xfrm>
+          <a:off x="1620631" y="369688"/>
+          <a:ext cx="3861645" cy="4925568"/>
+        </a:xfrm>
+        <a:prstGeom prst="roundRect">
+          <a:avLst/>
+        </a:prstGeom>
+        <a:solidFill>
+          <a:schemeClr val="accent1">
+            <a:tint val="50000"/>
+            <a:hueOff val="0"/>
+            <a:satOff val="0"/>
+            <a:lumOff val="0"/>
+            <a:alphaOff val="0"/>
+          </a:schemeClr>
+        </a:solidFill>
+        <a:ln w="12700" cap="flat" cmpd="sng" algn="ctr">
+          <a:solidFill>
+            <a:schemeClr val="lt1">
+              <a:hueOff val="0"/>
+              <a:satOff val="0"/>
+              <a:lumOff val="0"/>
+              <a:alphaOff val="0"/>
+            </a:schemeClr>
+          </a:solidFill>
+          <a:prstDash val="solid"/>
+          <a:miter lim="800000"/>
+        </a:ln>
+        <a:effectLst/>
+      </dsp:spPr>
+      <dsp:style>
+        <a:lnRef idx="2">
+          <a:scrgbClr r="0" g="0" b="0"/>
+        </a:lnRef>
+        <a:fillRef idx="1">
+          <a:scrgbClr r="0" g="0" b="0"/>
+        </a:fillRef>
+        <a:effectRef idx="0">
+          <a:scrgbClr r="0" g="0" b="0"/>
+        </a:effectRef>
+        <a:fontRef idx="minor"/>
+      </dsp:style>
+    </dsp:sp>
+    <dsp:sp modelId="{81706A52-5F8B-4F5C-806C-47C2DE38A756}">
+      <dsp:nvSpPr>
+        <dsp:cNvPr id="0" name=""/>
+        <dsp:cNvSpPr/>
+      </dsp:nvSpPr>
+      <dsp:spPr>
+        <a:xfrm>
+          <a:off x="1775097" y="2142893"/>
+          <a:ext cx="2973467" cy="2955340"/>
+        </a:xfrm>
+        <a:prstGeom prst="rect">
+          <a:avLst/>
+        </a:prstGeom>
+        <a:noFill/>
+        <a:ln w="12700" cap="flat" cmpd="sng" algn="ctr">
+          <a:noFill/>
+          <a:prstDash val="solid"/>
+          <a:miter lim="800000"/>
+        </a:ln>
+        <a:effectLst/>
+        <a:sp3d/>
+      </dsp:spPr>
+      <dsp:style>
+        <a:lnRef idx="2">
+          <a:scrgbClr r="0" g="0" b="0"/>
+        </a:lnRef>
+        <a:fillRef idx="1">
+          <a:scrgbClr r="0" g="0" b="0"/>
+        </a:fillRef>
+        <a:effectRef idx="0">
+          <a:scrgbClr r="0" g="0" b="0"/>
+        </a:effectRef>
+        <a:fontRef idx="minor">
+          <a:schemeClr val="lt1"/>
+        </a:fontRef>
+      </dsp:style>
+      <dsp:txBody>
+        <a:bodyPr spcFirstLastPara="0" vert="horz" wrap="square" lIns="165100" tIns="165100" rIns="165100" bIns="165100" numCol="1" spcCol="1270" anchor="b" anchorCtr="0">
+          <a:noAutofit/>
+        </a:bodyPr>
+        <a:lstStyle/>
+        <a:p>
+          <a:pPr marL="0" lvl="0" indent="0" algn="l" defTabSz="2889250">
+            <a:lnSpc>
+              <a:spcPct val="90000"/>
+            </a:lnSpc>
+            <a:spcBef>
+              <a:spcPct val="0"/>
+            </a:spcBef>
+            <a:spcAft>
+              <a:spcPct val="35000"/>
+            </a:spcAft>
+            <a:buNone/>
+          </a:pPr>
+          <a:endParaRPr lang="zh-CN" altLang="en-US" sz="6500" kern="1200"/>
+        </a:p>
+      </dsp:txBody>
+      <dsp:txXfrm>
+        <a:off x="1775097" y="2142893"/>
+        <a:ext cx="2973467" cy="2955340"/>
+      </dsp:txXfrm>
+    </dsp:sp>
+    <dsp:sp modelId="{5FF5EA50-B7DE-4FC0-B474-38EF10ABF020}">
+      <dsp:nvSpPr>
+        <dsp:cNvPr id="0" name=""/>
+        <dsp:cNvSpPr/>
+      </dsp:nvSpPr>
+      <dsp:spPr>
+        <a:xfrm>
+          <a:off x="4817325" y="123410"/>
+          <a:ext cx="1329903" cy="1329903"/>
+        </a:xfrm>
+        <a:prstGeom prst="ellipse">
+          <a:avLst/>
+        </a:prstGeom>
+        <a:blipFill>
+          <a:blip xmlns:r="http://schemas.openxmlformats.org/officeDocument/2006/relationships" r:embed="rId1">
+            <a:extLst>
+              <a:ext uri="{28A0092B-C50C-407E-A947-70E740481C1C}">
+                <a14:useLocalDpi xmlns:a14="http://schemas.microsoft.com/office/drawing/2010/main" val="0"/>
+              </a:ext>
+            </a:extLst>
+          </a:blip>
+          <a:srcRect/>
+          <a:stretch>
+            <a:fillRect/>
+          </a:stretch>
+        </a:blipFill>
+        <a:ln w="12700" cap="flat" cmpd="sng" algn="ctr">
+          <a:solidFill>
+            <a:schemeClr val="lt1">
+              <a:hueOff val="0"/>
+              <a:satOff val="0"/>
+              <a:lumOff val="0"/>
+              <a:alphaOff val="0"/>
+            </a:schemeClr>
+          </a:solidFill>
+          <a:prstDash val="solid"/>
+          <a:miter lim="800000"/>
+        </a:ln>
+        <a:effectLst/>
+      </dsp:spPr>
+      <dsp:style>
+        <a:lnRef idx="2">
+          <a:scrgbClr r="0" g="0" b="0"/>
+        </a:lnRef>
+        <a:fillRef idx="1">
+          <a:scrgbClr r="0" g="0" b="0"/>
+        </a:fillRef>
+        <a:effectRef idx="0">
+          <a:scrgbClr r="0" g="0" b="0"/>
+        </a:effectRef>
+        <a:fontRef idx="minor"/>
+      </dsp:style>
+    </dsp:sp>
+    <dsp:sp modelId="{9A876EB0-BC34-4E94-9C94-9276CAFDCFBC}">
+      <dsp:nvSpPr>
+        <dsp:cNvPr id="0" name=""/>
+        <dsp:cNvSpPr/>
+      </dsp:nvSpPr>
+      <dsp:spPr>
+        <a:xfrm>
+          <a:off x="6147228" y="123410"/>
+          <a:ext cx="360140" cy="1329903"/>
+        </a:xfrm>
+        <a:prstGeom prst="rect">
+          <a:avLst/>
+        </a:prstGeom>
+        <a:noFill/>
+        <a:ln>
+          <a:noFill/>
+        </a:ln>
+        <a:effectLst/>
+      </dsp:spPr>
+      <dsp:style>
+        <a:lnRef idx="0">
+          <a:scrgbClr r="0" g="0" b="0"/>
+        </a:lnRef>
+        <a:fillRef idx="0">
+          <a:scrgbClr r="0" g="0" b="0"/>
+        </a:fillRef>
+        <a:effectRef idx="0">
+          <a:scrgbClr r="0" g="0" b="0"/>
+        </a:effectRef>
+        <a:fontRef idx="minor"/>
+      </dsp:style>
+      <dsp:txBody>
+        <a:bodyPr spcFirstLastPara="0" vert="horz" wrap="square" lIns="25400" tIns="12700" rIns="25400" bIns="12700" numCol="1" spcCol="1270" anchor="ctr" anchorCtr="0">
+          <a:noAutofit/>
+        </a:bodyPr>
+        <a:lstStyle/>
+        <a:p>
+          <a:pPr marL="0" lvl="0" indent="0" algn="l" defTabSz="444500">
+            <a:lnSpc>
+              <a:spcPct val="90000"/>
+            </a:lnSpc>
+            <a:spcBef>
+              <a:spcPct val="0"/>
+            </a:spcBef>
+            <a:spcAft>
+              <a:spcPct val="35000"/>
+            </a:spcAft>
+            <a:buNone/>
+          </a:pPr>
+          <a:endParaRPr lang="zh-CN" altLang="en-US" sz="1000" kern="1200"/>
+        </a:p>
+      </dsp:txBody>
+      <dsp:txXfrm>
+        <a:off x="6147228" y="123410"/>
+        <a:ext cx="360140" cy="1329903"/>
+      </dsp:txXfrm>
+    </dsp:sp>
+    <dsp:sp modelId="{3347A12F-07F2-4FC2-97A0-744C9EE79FC2}">
+      <dsp:nvSpPr>
+        <dsp:cNvPr id="0" name=""/>
+        <dsp:cNvSpPr/>
+      </dsp:nvSpPr>
+      <dsp:spPr>
+        <a:xfrm>
+          <a:off x="4817325" y="1692696"/>
+          <a:ext cx="1329903" cy="1329903"/>
+        </a:xfrm>
+        <a:prstGeom prst="ellipse">
+          <a:avLst/>
+        </a:prstGeom>
+        <a:solidFill>
+          <a:schemeClr val="accent1">
+            <a:tint val="50000"/>
+            <a:hueOff val="0"/>
+            <a:satOff val="0"/>
+            <a:lumOff val="0"/>
+            <a:alphaOff val="0"/>
+          </a:schemeClr>
+        </a:solidFill>
+        <a:ln w="12700" cap="flat" cmpd="sng" algn="ctr">
+          <a:solidFill>
+            <a:schemeClr val="lt1">
+              <a:hueOff val="0"/>
+              <a:satOff val="0"/>
+              <a:lumOff val="0"/>
+              <a:alphaOff val="0"/>
+            </a:schemeClr>
+          </a:solidFill>
+          <a:prstDash val="solid"/>
+          <a:miter lim="800000"/>
+        </a:ln>
+        <a:effectLst/>
+      </dsp:spPr>
+      <dsp:style>
+        <a:lnRef idx="2">
+          <a:scrgbClr r="0" g="0" b="0"/>
+        </a:lnRef>
+        <a:fillRef idx="1">
+          <a:scrgbClr r="0" g="0" b="0"/>
+        </a:fillRef>
+        <a:effectRef idx="0">
+          <a:scrgbClr r="0" g="0" b="0"/>
+        </a:effectRef>
+        <a:fontRef idx="minor"/>
+      </dsp:style>
+    </dsp:sp>
+    <dsp:sp modelId="{0E60CA67-F85C-4546-AADE-980E51048F51}">
+      <dsp:nvSpPr>
+        <dsp:cNvPr id="0" name=""/>
+        <dsp:cNvSpPr/>
+      </dsp:nvSpPr>
+      <dsp:spPr>
+        <a:xfrm>
+          <a:off x="6147228" y="1692696"/>
+          <a:ext cx="360140" cy="1329903"/>
+        </a:xfrm>
+        <a:prstGeom prst="rect">
+          <a:avLst/>
+        </a:prstGeom>
+        <a:noFill/>
+        <a:ln>
+          <a:noFill/>
+        </a:ln>
+        <a:effectLst/>
+      </dsp:spPr>
+      <dsp:style>
+        <a:lnRef idx="0">
+          <a:scrgbClr r="0" g="0" b="0"/>
+        </a:lnRef>
+        <a:fillRef idx="0">
+          <a:scrgbClr r="0" g="0" b="0"/>
+        </a:fillRef>
+        <a:effectRef idx="0">
+          <a:scrgbClr r="0" g="0" b="0"/>
+        </a:effectRef>
+        <a:fontRef idx="minor"/>
+      </dsp:style>
+      <dsp:txBody>
+        <a:bodyPr spcFirstLastPara="0" vert="horz" wrap="square" lIns="25400" tIns="12700" rIns="25400" bIns="12700" numCol="1" spcCol="1270" anchor="ctr" anchorCtr="0">
+          <a:noAutofit/>
+        </a:bodyPr>
+        <a:lstStyle/>
+        <a:p>
+          <a:pPr marL="0" lvl="0" indent="0" algn="l" defTabSz="444500">
+            <a:lnSpc>
+              <a:spcPct val="90000"/>
+            </a:lnSpc>
+            <a:spcBef>
+              <a:spcPct val="0"/>
+            </a:spcBef>
+            <a:spcAft>
+              <a:spcPct val="35000"/>
+            </a:spcAft>
+            <a:buNone/>
+          </a:pPr>
+          <a:endParaRPr lang="zh-CN" altLang="en-US" sz="1000" kern="1200"/>
+        </a:p>
+      </dsp:txBody>
+      <dsp:txXfrm>
+        <a:off x="6147228" y="1692696"/>
+        <a:ext cx="360140" cy="1329903"/>
+      </dsp:txXfrm>
+    </dsp:sp>
+    <dsp:sp modelId="{4FDD9C5A-1E55-4137-923F-5851D42CCF2B}">
+      <dsp:nvSpPr>
+        <dsp:cNvPr id="0" name=""/>
+        <dsp:cNvSpPr/>
+      </dsp:nvSpPr>
+      <dsp:spPr>
+        <a:xfrm>
+          <a:off x="4817325" y="3261982"/>
+          <a:ext cx="1329903" cy="1329903"/>
+        </a:xfrm>
+        <a:prstGeom prst="ellipse">
+          <a:avLst/>
+        </a:prstGeom>
+        <a:solidFill>
+          <a:schemeClr val="accent1">
+            <a:tint val="50000"/>
+            <a:hueOff val="0"/>
+            <a:satOff val="0"/>
+            <a:lumOff val="0"/>
+            <a:alphaOff val="0"/>
+          </a:schemeClr>
+        </a:solidFill>
+        <a:ln w="12700" cap="flat" cmpd="sng" algn="ctr">
+          <a:solidFill>
+            <a:schemeClr val="lt1">
+              <a:hueOff val="0"/>
+              <a:satOff val="0"/>
+              <a:lumOff val="0"/>
+              <a:alphaOff val="0"/>
+            </a:schemeClr>
+          </a:solidFill>
+          <a:prstDash val="solid"/>
+          <a:miter lim="800000"/>
+        </a:ln>
+        <a:effectLst/>
+      </dsp:spPr>
+      <dsp:style>
+        <a:lnRef idx="2">
+          <a:scrgbClr r="0" g="0" b="0"/>
+        </a:lnRef>
+        <a:fillRef idx="1">
+          <a:scrgbClr r="0" g="0" b="0"/>
+        </a:fillRef>
+        <a:effectRef idx="0">
+          <a:scrgbClr r="0" g="0" b="0"/>
+        </a:effectRef>
+        <a:fontRef idx="minor"/>
+      </dsp:style>
+    </dsp:sp>
+    <dsp:sp modelId="{6D5BE3D9-133A-441B-B188-269D5F362F80}">
+      <dsp:nvSpPr>
+        <dsp:cNvPr id="0" name=""/>
+        <dsp:cNvSpPr/>
+      </dsp:nvSpPr>
+      <dsp:spPr>
+        <a:xfrm>
+          <a:off x="6147228" y="3261982"/>
+          <a:ext cx="360140" cy="1329903"/>
+        </a:xfrm>
+        <a:prstGeom prst="rect">
+          <a:avLst/>
+        </a:prstGeom>
+        <a:noFill/>
+        <a:ln>
+          <a:noFill/>
+        </a:ln>
+        <a:effectLst/>
+      </dsp:spPr>
+      <dsp:style>
+        <a:lnRef idx="0">
+          <a:scrgbClr r="0" g="0" b="0"/>
+        </a:lnRef>
+        <a:fillRef idx="0">
+          <a:scrgbClr r="0" g="0" b="0"/>
+        </a:fillRef>
+        <a:effectRef idx="0">
+          <a:scrgbClr r="0" g="0" b="0"/>
+        </a:effectRef>
+        <a:fontRef idx="minor"/>
+      </dsp:style>
+      <dsp:txBody>
+        <a:bodyPr spcFirstLastPara="0" vert="horz" wrap="square" lIns="25400" tIns="12700" rIns="25400" bIns="12700" numCol="1" spcCol="1270" anchor="ctr" anchorCtr="0">
+          <a:noAutofit/>
+        </a:bodyPr>
+        <a:lstStyle/>
+        <a:p>
+          <a:pPr marL="0" lvl="0" indent="0" algn="l" defTabSz="444500">
+            <a:lnSpc>
+              <a:spcPct val="90000"/>
+            </a:lnSpc>
+            <a:spcBef>
+              <a:spcPct val="0"/>
+            </a:spcBef>
+            <a:spcAft>
+              <a:spcPct val="35000"/>
+            </a:spcAft>
+            <a:buNone/>
+          </a:pPr>
+          <a:endParaRPr lang="zh-CN" altLang="en-US" sz="1000" kern="1200"/>
+        </a:p>
+      </dsp:txBody>
+      <dsp:txXfrm>
+        <a:off x="6147228" y="3261982"/>
+        <a:ext cx="360140" cy="1329903"/>
+      </dsp:txXfrm>
+    </dsp:sp>
+  </dsp:spTree>
+</dsp:drawing>
+</file>
+
 <file path=ppt/diagrams/layout1.xml><?xml version="1.0" encoding="utf-8"?>
 <dgm:layoutDef xmlns:dgm="http://schemas.openxmlformats.org/drawingml/2006/diagram" xmlns:a="http://schemas.openxmlformats.org/drawingml/2006/main" uniqueId="urn:microsoft.com/office/officeart/2005/8/layout/default">
   <dgm:title val=""/>
@@ -8729,6 +10238,457 @@
 </dgm:layoutDef>
 </file>
 
+<file path=ppt/diagrams/layout5.xml><?xml version="1.0" encoding="utf-8"?>
+<dgm:layoutDef xmlns:dgm="http://schemas.openxmlformats.org/drawingml/2006/diagram" xmlns:a="http://schemas.openxmlformats.org/drawingml/2006/main" uniqueId="urn:microsoft.com/office/officeart/2008/layout/AccentedPicture">
+  <dgm:title val=""/>
+  <dgm:desc val=""/>
+  <dgm:catLst>
+    <dgm:cat type="picture" pri="1000"/>
+    <dgm:cat type="pictureconvert" pri="1000"/>
+  </dgm:catLst>
+  <dgm:sampData>
+    <dgm:dataModel>
+      <dgm:ptLst>
+        <dgm:pt modelId="0" type="doc"/>
+        <dgm:pt modelId="1">
+          <dgm:prSet phldr="1"/>
+        </dgm:pt>
+        <dgm:pt modelId="2">
+          <dgm:prSet phldr="1"/>
+        </dgm:pt>
+        <dgm:pt modelId="3">
+          <dgm:prSet phldr="1"/>
+        </dgm:pt>
+        <dgm:pt modelId="4">
+          <dgm:prSet phldr="1"/>
+        </dgm:pt>
+      </dgm:ptLst>
+      <dgm:cxnLst>
+        <dgm:cxn modelId="5" srcId="0" destId="1" srcOrd="0" destOrd="0"/>
+        <dgm:cxn modelId="6" srcId="0" destId="2" srcOrd="1" destOrd="0"/>
+        <dgm:cxn modelId="7" srcId="0" destId="3" srcOrd="2" destOrd="0"/>
+        <dgm:cxn modelId="8" srcId="0" destId="4" srcOrd="3" destOrd="0"/>
+      </dgm:cxnLst>
+      <dgm:bg/>
+      <dgm:whole/>
+    </dgm:dataModel>
+  </dgm:sampData>
+  <dgm:styleData>
+    <dgm:dataModel>
+      <dgm:ptLst>
+        <dgm:pt modelId="0" type="doc"/>
+        <dgm:pt modelId="1">
+          <dgm:prSet phldr="1"/>
+        </dgm:pt>
+        <dgm:pt modelId="2">
+          <dgm:prSet phldr="1"/>
+        </dgm:pt>
+        <dgm:pt modelId="3">
+          <dgm:prSet phldr="1"/>
+        </dgm:pt>
+        <dgm:pt modelId="4">
+          <dgm:prSet phldr="1"/>
+        </dgm:pt>
+      </dgm:ptLst>
+      <dgm:cxnLst>
+        <dgm:cxn modelId="5" srcId="0" destId="1" srcOrd="0" destOrd="0"/>
+        <dgm:cxn modelId="6" srcId="0" destId="2" srcOrd="1" destOrd="0"/>
+        <dgm:cxn modelId="7" srcId="0" destId="3" srcOrd="2" destOrd="0"/>
+        <dgm:cxn modelId="8" srcId="0" destId="4" srcOrd="3" destOrd="0"/>
+      </dgm:cxnLst>
+      <dgm:bg/>
+      <dgm:whole/>
+    </dgm:dataModel>
+  </dgm:styleData>
+  <dgm:clrData>
+    <dgm:dataModel>
+      <dgm:ptLst>
+        <dgm:pt modelId="0" type="doc"/>
+        <dgm:pt modelId="1">
+          <dgm:prSet phldr="1"/>
+        </dgm:pt>
+        <dgm:pt modelId="2">
+          <dgm:prSet phldr="1"/>
+        </dgm:pt>
+        <dgm:pt modelId="3">
+          <dgm:prSet phldr="1"/>
+        </dgm:pt>
+        <dgm:pt modelId="4">
+          <dgm:prSet phldr="1"/>
+        </dgm:pt>
+      </dgm:ptLst>
+      <dgm:cxnLst>
+        <dgm:cxn modelId="5" srcId="0" destId="1" srcOrd="0" destOrd="0"/>
+        <dgm:cxn modelId="6" srcId="0" destId="2" srcOrd="1" destOrd="0"/>
+        <dgm:cxn modelId="7" srcId="0" destId="3" srcOrd="2" destOrd="0"/>
+        <dgm:cxn modelId="8" srcId="0" destId="4" srcOrd="3" destOrd="0"/>
+      </dgm:cxnLst>
+      <dgm:bg/>
+      <dgm:whole/>
+    </dgm:dataModel>
+  </dgm:clrData>
+  <dgm:layoutNode name="Name0">
+    <dgm:varLst>
+      <dgm:dir/>
+    </dgm:varLst>
+    <dgm:alg type="composite"/>
+    <dgm:shape xmlns:r="http://schemas.openxmlformats.org/officeDocument/2006/relationships" r:blip="">
+      <dgm:adjLst/>
+    </dgm:shape>
+    <dgm:choose name="Name1">
+      <dgm:if name="Name2" axis="ch" ptType="node" func="cnt" op="lte" val="1">
+        <dgm:constrLst>
+          <dgm:constr type="h" for="ch" forName="picture_1" refType="h"/>
+          <dgm:constr type="w" for="ch" forName="picture_1" refType="h" refFor="ch" refForName="picture_1" op="equ" fact="0.784"/>
+          <dgm:constr type="l" for="ch" forName="picture_1"/>
+          <dgm:constr type="t" for="ch" forName="picture_1"/>
+          <dgm:constr type="w" for="ch" forName="text_1" refType="w" refFor="ch" refForName="picture_1" fact="0.77"/>
+          <dgm:constr type="h" for="ch" forName="text_1" refType="h" refFor="ch" refForName="picture_1" fact="0.6"/>
+          <dgm:constr type="l" for="ch" forName="text_1" refType="w" refFor="ch" refForName="picture_1" fact="0.04"/>
+          <dgm:constr type="t" for="ch" forName="text_1" refType="h" refFor="ch" refForName="picture_1" fact="0.4"/>
+        </dgm:constrLst>
+      </dgm:if>
+      <dgm:if name="Name3" axis="ch" ptType="node" func="cnt" op="lte" val="5">
+        <dgm:choose name="Name4">
+          <dgm:if name="Name5" func="var" arg="dir" op="equ" val="norm">
+            <dgm:constrLst>
+              <dgm:constr type="h" for="ch" forName="picture_1" refType="h" fact="0.909"/>
+              <dgm:constr type="w" for="ch" forName="picture_1" refType="h" refFor="ch" refForName="picture_1" op="equ" fact="0.784"/>
+              <dgm:constr type="l" for="ch" forName="picture_1"/>
+              <dgm:constr type="t" for="ch" forName="picture_1" refType="h" refFor="ch" refForName="picture_1" fact="0.05"/>
+              <dgm:constr type="w" for="ch" forName="picture_1" refType="w" op="lte" fact="0.588"/>
+              <dgm:constr type="w" for="ch" forName="text_1" refType="w" refFor="ch" refForName="picture_1" fact="0.77"/>
+              <dgm:constr type="h" for="ch" forName="text_1" refType="h" refFor="ch" refForName="picture_1" fact="0.6"/>
+              <dgm:constr type="l" for="ch" forName="text_1" refType="w" refFor="ch" refForName="picture_1" fact="0.04"/>
+              <dgm:constr type="t" for="ch" forName="text_1" refType="h" refFor="ch" refForName="picture_1" fact="0.41"/>
+              <dgm:constr type="w" for="ch" forName="linV" refType="w"/>
+              <dgm:constr type="h" for="ch" forName="linV" refType="h" refFor="ch" refForName="picture_1" fact="1.1"/>
+              <dgm:constr type="l" for="ch" forName="linV"/>
+              <dgm:constr type="t" for="ch" forName="linV"/>
+              <dgm:constr type="userC" for="des" forName="pair" refType="r" refFor="ch" refForName="picture_1"/>
+              <dgm:constr type="h" for="des" forName="pair" refType="h" refFor="ch" refForName="picture_1" fact="0.27"/>
+              <dgm:constr type="h" for="des" forName="spaceV" refType="h" refFor="ch" refForName="picture_1" fact="0.0486"/>
+              <dgm:constr type="l" for="ch" forName="maxNode" refType="r" refFor="ch" refForName="picture_1"/>
+              <dgm:constr type="lOff" for="ch" forName="maxNode" refType="h" refFor="des" refForName="pair" fact="0.5"/>
+              <dgm:constr type="r" for="ch" forName="maxNode" refType="w"/>
+              <dgm:constr type="t" for="ch" forName="maxNode"/>
+              <dgm:constr type="h" for="ch" forName="maxNode" val="1"/>
+              <dgm:constr type="userW" for="des" forName="desText" refType="w" refFor="ch" refForName="maxNode"/>
+            </dgm:constrLst>
+          </dgm:if>
+          <dgm:else name="Name6">
+            <dgm:constrLst>
+              <dgm:constr type="h" for="ch" forName="picture_1" refType="h" fact="0.909"/>
+              <dgm:constr type="w" for="ch" forName="picture_1" refType="h" refFor="ch" refForName="picture_1" op="equ" fact="0.784"/>
+              <dgm:constr type="r" for="ch" forName="picture_1" refType="w"/>
+              <dgm:constr type="t" for="ch" forName="picture_1" refType="h" refFor="ch" refForName="picture_1" fact="0.05"/>
+              <dgm:constr type="w" for="ch" forName="picture_1" refType="w" op="lte" fact="0.588"/>
+              <dgm:constr type="w" for="ch" forName="text_1" refType="w" refFor="ch" refForName="picture_1" fact="0.77"/>
+              <dgm:constr type="h" for="ch" forName="text_1" refType="h" refFor="ch" refForName="picture_1" fact="0.6"/>
+              <dgm:constr type="r" for="ch" forName="text_1" refType="w"/>
+              <dgm:constr type="t" for="ch" forName="text_1" refType="h" refFor="ch" refForName="picture_1" fact="0.41"/>
+              <dgm:constr type="w" for="ch" forName="linV" refType="w"/>
+              <dgm:constr type="h" for="ch" forName="linV" refType="h" refFor="ch" refForName="picture_1" fact="1.1"/>
+              <dgm:constr type="l" for="ch" forName="linV"/>
+              <dgm:constr type="t" for="ch" forName="linV"/>
+              <dgm:constr type="userC" for="des" forName="pair" refType="l" refFor="ch" refForName="picture_1"/>
+              <dgm:constr type="h" for="des" forName="pair" refType="h" refFor="ch" refForName="picture_1" fact="0.27"/>
+              <dgm:constr type="h" for="des" forName="spaceV" refType="h" refFor="ch" refForName="picture_1" fact="0.0486"/>
+              <dgm:constr type="r" for="ch" forName="maxNode" refType="l" refFor="ch" refForName="picture_1"/>
+              <dgm:constr type="rOff" for="ch" forName="maxNode" refType="h" refFor="des" refForName="pair" fact="-0.5"/>
+              <dgm:constr type="l" for="ch" forName="maxNode"/>
+              <dgm:constr type="t" for="ch" forName="maxNode"/>
+              <dgm:constr type="h" for="ch" forName="maxNode" val="1"/>
+              <dgm:constr type="userW" for="des" forName="desText" refType="w" refFor="ch" refForName="maxNode"/>
+            </dgm:constrLst>
+          </dgm:else>
+        </dgm:choose>
+      </dgm:if>
+      <dgm:else name="Name7">
+        <dgm:choose name="Name8">
+          <dgm:if name="Name9" func="var" arg="dir" op="equ" val="norm">
+            <dgm:constrLst>
+              <dgm:constr type="h" for="ch" forName="picture_1" refType="h" fact="0.909"/>
+              <dgm:constr type="w" for="ch" forName="picture_1" refType="h" refFor="ch" refForName="picture_1" op="equ" fact="0.784"/>
+              <dgm:constr type="l" for="ch" forName="picture_1"/>
+              <dgm:constr type="t" for="ch" forName="picture_1" refType="h" refFor="ch" refForName="picture_1" fact="0.05"/>
+              <dgm:constr type="w" for="ch" forName="picture_1" refType="w" op="lte" fact="0.588"/>
+              <dgm:constr type="w" for="ch" forName="text_1" refType="w" refFor="ch" refForName="picture_1" fact="0.77"/>
+              <dgm:constr type="h" for="ch" forName="text_1" refType="h" refFor="ch" refForName="picture_1" fact="0.6"/>
+              <dgm:constr type="l" for="ch" forName="text_1" refType="w" refFor="ch" refForName="picture_1" fact="0.04"/>
+              <dgm:constr type="t" for="ch" forName="text_1" refType="h" refFor="ch" refForName="picture_1" fact="0.41"/>
+              <dgm:constr type="w" for="ch" forName="linV" refType="w"/>
+              <dgm:constr type="h" for="ch" forName="linV" refType="h" refFor="ch" refForName="picture_1" fact="1.1"/>
+              <dgm:constr type="l" for="ch" forName="linV"/>
+              <dgm:constr type="t" for="ch" forName="linV"/>
+              <dgm:constr type="userC" for="des" forName="pair" refType="r" refFor="ch" refForName="picture_1"/>
+              <dgm:constr type="h" for="des" forName="pair" refType="h" refFor="ch" refForName="picture_1" fact="0.27"/>
+              <dgm:constr type="h" for="des" forName="spaceV" refType="h" refFor="ch" refForName="picture_1" fact="0.0486"/>
+              <dgm:constr type="l" for="ch" forName="maxNode" refType="r" refFor="ch" refForName="picture_1"/>
+              <dgm:constr type="lOff" for="ch" forName="maxNode" refType="h" refFor="des" refForName="pair" fact="0.5"/>
+              <dgm:constr type="r" for="ch" forName="maxNode" refType="w"/>
+              <dgm:constr type="t" for="ch" forName="maxNode"/>
+              <dgm:constr type="h" for="ch" forName="maxNode" val="1"/>
+              <dgm:constr type="userW" for="des" forName="desText" refType="w" refFor="ch" refForName="maxNode"/>
+            </dgm:constrLst>
+          </dgm:if>
+          <dgm:else name="Name10">
+            <dgm:constrLst>
+              <dgm:constr type="h" for="ch" forName="picture_1" refType="h" fact="0.909"/>
+              <dgm:constr type="w" for="ch" forName="picture_1" refType="h" refFor="ch" refForName="picture_1" op="equ" fact="0.784"/>
+              <dgm:constr type="r" for="ch" forName="picture_1" refType="w"/>
+              <dgm:constr type="t" for="ch" forName="picture_1" refType="h" refFor="ch" refForName="picture_1" fact="0.05"/>
+              <dgm:constr type="w" for="ch" forName="picture_1" refType="w" op="lte" fact="0.588"/>
+              <dgm:constr type="w" for="ch" forName="text_1" refType="w" refFor="ch" refForName="picture_1" fact="0.77"/>
+              <dgm:constr type="h" for="ch" forName="text_1" refType="h" refFor="ch" refForName="picture_1" fact="0.6"/>
+              <dgm:constr type="r" for="ch" forName="text_1" refType="w"/>
+              <dgm:constr type="t" for="ch" forName="text_1" refType="h" refFor="ch" refForName="picture_1" fact="0.41"/>
+              <dgm:constr type="w" for="ch" forName="linV" refType="w"/>
+              <dgm:constr type="h" for="ch" forName="linV" refType="h" refFor="ch" refForName="picture_1" fact="1.1"/>
+              <dgm:constr type="l" for="ch" forName="linV"/>
+              <dgm:constr type="t" for="ch" forName="linV"/>
+              <dgm:constr type="userC" for="des" forName="pair" refType="l" refFor="ch" refForName="picture_1"/>
+              <dgm:constr type="h" for="des" forName="pair" refType="h" refFor="ch" refForName="picture_1" fact="0.27"/>
+              <dgm:constr type="h" for="des" forName="spaceV" refType="h" refFor="ch" refForName="picture_1" fact="0.0486"/>
+              <dgm:constr type="r" for="ch" forName="maxNode" refType="l" refFor="ch" refForName="picture_1"/>
+              <dgm:constr type="rOff" for="ch" forName="maxNode" refType="h" refFor="des" refForName="pair" fact="-0.5"/>
+              <dgm:constr type="l" for="ch" forName="maxNode"/>
+              <dgm:constr type="t" for="ch" forName="maxNode"/>
+              <dgm:constr type="h" for="ch" forName="maxNode" val="1"/>
+              <dgm:constr type="userW" for="des" forName="desText" refType="w" refFor="ch" refForName="maxNode"/>
+            </dgm:constrLst>
+          </dgm:else>
+        </dgm:choose>
+      </dgm:else>
+    </dgm:choose>
+    <dgm:forEach name="Name11" axis="ch" ptType="sibTrans" hideLastTrans="0" cnt="1">
+      <dgm:layoutNode name="picture_1" styleLbl="bgImgPlace1">
+        <dgm:alg type="sp"/>
+        <dgm:shape xmlns:r="http://schemas.openxmlformats.org/officeDocument/2006/relationships" type="roundRect" r:blip="" blipPhldr="1">
+          <dgm:adjLst/>
+        </dgm:shape>
+        <dgm:presOf axis="self"/>
+      </dgm:layoutNode>
+    </dgm:forEach>
+    <dgm:forEach name="Name12" axis="ch" ptType="node" cnt="1">
+      <dgm:layoutNode name="text_1" styleLbl="node1">
+        <dgm:varLst>
+          <dgm:bulletEnabled val="1"/>
+        </dgm:varLst>
+        <dgm:choose name="Name13">
+          <dgm:if name="Name14" func="var" arg="dir" op="equ" val="norm">
+            <dgm:alg type="tx">
+              <dgm:param type="txAnchorVert" val="b"/>
+              <dgm:param type="parTxLTRAlign" val="l"/>
+              <dgm:param type="shpTxLTRAlignCh" val="l"/>
+              <dgm:param type="parTxRTLAlign" val="l"/>
+              <dgm:param type="shpTxRTLAlignCh" val="l"/>
+            </dgm:alg>
+          </dgm:if>
+          <dgm:else name="Name15">
+            <dgm:alg type="tx">
+              <dgm:param type="txAnchorVert" val="b"/>
+              <dgm:param type="parTxLTRAlign" val="r"/>
+              <dgm:param type="shpTxLTRAlignCh" val="r"/>
+              <dgm:param type="parTxRTLAlign" val="r"/>
+              <dgm:param type="shpTxRTLAlignCh" val="r"/>
+            </dgm:alg>
+          </dgm:else>
+        </dgm:choose>
+        <dgm:shape xmlns:r="http://schemas.openxmlformats.org/officeDocument/2006/relationships" type="rect" r:blip="" hideGeom="1">
+          <dgm:adjLst/>
+        </dgm:shape>
+        <dgm:presOf axis="desOrSelf" ptType="node"/>
+        <dgm:constrLst>
+          <dgm:constr type="primFontSz" val="65"/>
+          <dgm:constr type="lMarg" refType="primFontSz" fact="0.2"/>
+          <dgm:constr type="rMarg" refType="primFontSz" fact="0.2"/>
+          <dgm:constr type="tMarg" refType="primFontSz" fact="0.2"/>
+          <dgm:constr type="bMarg" refType="primFontSz" fact="0.2"/>
+        </dgm:constrLst>
+        <dgm:ruleLst>
+          <dgm:rule type="primFontSz" val="5" fact="NaN" max="NaN"/>
+        </dgm:ruleLst>
+      </dgm:layoutNode>
+    </dgm:forEach>
+    <dgm:choose name="Name16">
+      <dgm:if name="Name17" axis="ch" ptType="node" func="cnt" op="gte" val="2">
+        <dgm:layoutNode name="linV">
+          <dgm:choose name="Name18">
+            <dgm:if name="Name19" func="var" arg="dir" op="equ" val="norm">
+              <dgm:alg type="lin">
+                <dgm:param type="linDir" val="fromT"/>
+                <dgm:param type="vertAlign" val="t"/>
+                <dgm:param type="fallback" val="1D"/>
+                <dgm:param type="horzAlign" val="l"/>
+                <dgm:param type="nodeHorzAlign" val="l"/>
+              </dgm:alg>
+            </dgm:if>
+            <dgm:else name="Name20">
+              <dgm:alg type="lin">
+                <dgm:param type="linDir" val="fromT"/>
+                <dgm:param type="vertAlign" val="t"/>
+                <dgm:param type="fallback" val="1D"/>
+                <dgm:param type="horzAlign" val="r"/>
+                <dgm:param type="nodeHorzAlign" val="r"/>
+              </dgm:alg>
+            </dgm:else>
+          </dgm:choose>
+          <dgm:shape xmlns:r="http://schemas.openxmlformats.org/officeDocument/2006/relationships" r:blip="">
+            <dgm:adjLst/>
+          </dgm:shape>
+          <dgm:constrLst>
+            <dgm:constr type="w" for="ch" forName="spaceV" val="1"/>
+            <dgm:constr type="w" for="ch" forName="pair" refType="w" op="equ"/>
+            <dgm:constr type="w" for="des" forName="desText" op="equ"/>
+            <dgm:constr type="primFontSz" for="des" forName="desText" op="equ" val="65"/>
+          </dgm:constrLst>
+          <dgm:forEach name="Name21" axis="ch" ptType="node" st="2">
+            <dgm:layoutNode name="pair">
+              <dgm:alg type="composite"/>
+              <dgm:shape xmlns:r="http://schemas.openxmlformats.org/officeDocument/2006/relationships" r:blip="">
+                <dgm:adjLst/>
+              </dgm:shape>
+              <dgm:choose name="Name22">
+                <dgm:if name="Name23" func="var" arg="dir" op="equ" val="norm">
+                  <dgm:constrLst>
+                    <dgm:constr type="userC"/>
+                    <dgm:constr type="l" for="ch" forName="spaceH"/>
+                    <dgm:constr type="r" for="ch" forName="spaceH" refType="userC"/>
+                    <dgm:constr type="ctrY" for="ch" forName="spaceH" refType="w" fact="0.5"/>
+                    <dgm:constr type="h" for="ch" forName="spaceH" val="1"/>
+                    <dgm:constr type="w" for="ch" forName="desPictures" refType="h"/>
+                    <dgm:constr type="h" for="ch" forName="desPictures" refType="w" refFor="ch" refForName="desPictures" op="equ"/>
+                    <dgm:constr type="ctrX" for="ch" forName="desPictures" refType="userC"/>
+                    <dgm:constr type="ctrY" for="ch" forName="desPictures" refType="w" fact="0.5"/>
+                    <dgm:constr type="l" for="ch" forName="desTextWrapper" refType="r" refFor="ch" refForName="desPictures"/>
+                    <dgm:constr type="ctrY" for="ch" forName="desTextWrapper" refType="w" fact="0.5"/>
+                    <dgm:constr type="h" for="ch" forName="desTextWrapper" refType="h"/>
+                    <dgm:constr type="h" for="des" forName="desText" refType="h"/>
+                  </dgm:constrLst>
+                </dgm:if>
+                <dgm:else name="Name24">
+                  <dgm:constrLst>
+                    <dgm:constr type="userC"/>
+                    <dgm:constr type="r" for="ch" forName="spaceH" refType="w"/>
+                    <dgm:constr type="l" for="ch" forName="spaceH" refType="userC"/>
+                    <dgm:constr type="ctrY" for="ch" forName="spaceH" refType="w" fact="0.5"/>
+                    <dgm:constr type="h" for="ch" forName="spaceH" val="1"/>
+                    <dgm:constr type="w" for="ch" forName="desPictures" refType="h"/>
+                    <dgm:constr type="h" for="ch" forName="desPictures" refType="w" refFor="ch" refForName="desPictures" op="equ"/>
+                    <dgm:constr type="ctrX" for="ch" forName="desPictures" refType="userC"/>
+                    <dgm:constr type="ctrY" for="ch" forName="desPictures" refType="w" fact="0.5"/>
+                    <dgm:constr type="r" for="ch" forName="desTextWrapper" refType="l" refFor="ch" refForName="desPictures"/>
+                    <dgm:constr type="ctrY" for="ch" forName="desTextWrapper" refType="w" fact="0.5"/>
+                    <dgm:constr type="h" for="ch" forName="desTextWrapper" refType="h"/>
+                    <dgm:constr type="h" for="des" forName="desText" refType="h"/>
+                  </dgm:constrLst>
+                </dgm:else>
+              </dgm:choose>
+              <dgm:layoutNode name="spaceH">
+                <dgm:alg type="sp"/>
+                <dgm:shape xmlns:r="http://schemas.openxmlformats.org/officeDocument/2006/relationships" type="rect" r:blip="" hideGeom="1">
+                  <dgm:adjLst/>
+                </dgm:shape>
+                <dgm:presOf/>
+              </dgm:layoutNode>
+              <dgm:layoutNode name="desPictures" styleLbl="alignImgPlace1">
+                <dgm:alg type="sp"/>
+                <dgm:shape xmlns:r="http://schemas.openxmlformats.org/officeDocument/2006/relationships" type="ellipse" r:blip="" blipPhldr="1">
+                  <dgm:adjLst/>
+                </dgm:shape>
+                <dgm:presOf/>
+              </dgm:layoutNode>
+              <dgm:layoutNode name="desTextWrapper">
+                <dgm:choose name="Name25">
+                  <dgm:if name="Name26" func="var" arg="dir" op="equ" val="norm">
+                    <dgm:alg type="lin">
+                      <dgm:param type="horzAlign" val="l"/>
+                    </dgm:alg>
+                  </dgm:if>
+                  <dgm:else name="Name27">
+                    <dgm:alg type="lin">
+                      <dgm:param type="horzAlign" val="r"/>
+                    </dgm:alg>
+                  </dgm:else>
+                </dgm:choose>
+                <dgm:layoutNode name="desText" styleLbl="revTx">
+                  <dgm:varLst>
+                    <dgm:bulletEnabled val="1"/>
+                  </dgm:varLst>
+                  <dgm:choose name="Name28">
+                    <dgm:if name="Name29" func="var" arg="dir" op="equ" val="norm">
+                      <dgm:alg type="tx">
+                        <dgm:param type="parTxLTRAlign" val="l"/>
+                        <dgm:param type="shpTxLTRAlignCh" val="l"/>
+                        <dgm:param type="parTxRTLAlign" val="r"/>
+                        <dgm:param type="shpTxRTLAlignCh" val="r"/>
+                      </dgm:alg>
+                    </dgm:if>
+                    <dgm:else name="Name30">
+                      <dgm:alg type="tx">
+                        <dgm:param type="parTxLTRAlign" val="r"/>
+                        <dgm:param type="shpTxLTRAlignCh" val="r"/>
+                        <dgm:param type="parTxRTLAlign" val="r"/>
+                        <dgm:param type="shpTxRTLAlignCh" val="r"/>
+                      </dgm:alg>
+                    </dgm:else>
+                  </dgm:choose>
+                  <dgm:shape xmlns:r="http://schemas.openxmlformats.org/officeDocument/2006/relationships" type="rect" r:blip="">
+                    <dgm:adjLst/>
+                  </dgm:shape>
+                  <dgm:presOf axis="desOrSelf" ptType="node"/>
+                  <dgm:constrLst>
+                    <dgm:constr type="userW"/>
+                    <dgm:constr type="w" refType="userW" fact="0.1"/>
+                    <dgm:constr type="lMarg" refType="primFontSz" fact="0.2"/>
+                    <dgm:constr type="rMarg" refType="primFontSz" fact="0.2"/>
+                    <dgm:constr type="tMarg" refType="primFontSz" fact="0.1"/>
+                    <dgm:constr type="bMarg" refType="primFontSz" fact="0.1"/>
+                  </dgm:constrLst>
+                  <dgm:ruleLst>
+                    <dgm:rule type="w" val="NaN" fact="1" max="NaN"/>
+                    <dgm:rule type="primFontSz" val="5" fact="NaN" max="NaN"/>
+                  </dgm:ruleLst>
+                </dgm:layoutNode>
+              </dgm:layoutNode>
+            </dgm:layoutNode>
+            <dgm:forEach name="Name31" axis="followSib" ptType="sibTrans" cnt="1">
+              <dgm:layoutNode name="spaceV">
+                <dgm:alg type="sp"/>
+                <dgm:shape xmlns:r="http://schemas.openxmlformats.org/officeDocument/2006/relationships" r:blip="">
+                  <dgm:adjLst/>
+                </dgm:shape>
+                <dgm:presOf/>
+              </dgm:layoutNode>
+            </dgm:forEach>
+          </dgm:forEach>
+        </dgm:layoutNode>
+      </dgm:if>
+      <dgm:else name="Name32"/>
+    </dgm:choose>
+    <dgm:layoutNode name="maxNode">
+      <dgm:alg type="lin"/>
+      <dgm:shape xmlns:r="http://schemas.openxmlformats.org/officeDocument/2006/relationships" r:blip="">
+        <dgm:adjLst/>
+      </dgm:shape>
+      <dgm:presOf/>
+      <dgm:constrLst>
+        <dgm:constr type="w" for="ch"/>
+        <dgm:constr type="h" for="ch"/>
+      </dgm:constrLst>
+      <dgm:layoutNode name="Name33">
+        <dgm:alg type="sp"/>
+        <dgm:shape xmlns:r="http://schemas.openxmlformats.org/officeDocument/2006/relationships" r:blip="">
+          <dgm:adjLst/>
+        </dgm:shape>
+        <dgm:presOf/>
+      </dgm:layoutNode>
+    </dgm:layoutNode>
+  </dgm:layoutNode>
+</dgm:layoutDef>
+</file>
+
 <file path=ppt/diagrams/quickStyle1.xml><?xml version="1.0" encoding="utf-8"?>
 <dgm:styleDef xmlns:dgm="http://schemas.openxmlformats.org/drawingml/2006/diagram" xmlns:a="http://schemas.openxmlformats.org/drawingml/2006/main" uniqueId="urn:microsoft.com/office/officeart/2005/8/quickstyle/simple1">
   <dgm:title val=""/>
@@ -12863,6 +14823,1040 @@
         <a:scrgbClr r="0" g="0" b="0"/>
       </a:fillRef>
       <a:effectRef idx="1">
+        <a:scrgbClr r="0" g="0" b="0"/>
+      </a:effectRef>
+      <a:fontRef idx="minor"/>
+    </dgm:style>
+  </dgm:styleLbl>
+  <dgm:styleLbl name="revTx">
+    <dgm:scene3d>
+      <a:camera prst="orthographicFront"/>
+      <a:lightRig rig="threePt" dir="t"/>
+    </dgm:scene3d>
+    <dgm:sp3d/>
+    <dgm:txPr/>
+    <dgm:style>
+      <a:lnRef idx="0">
+        <a:scrgbClr r="0" g="0" b="0"/>
+      </a:lnRef>
+      <a:fillRef idx="0">
+        <a:scrgbClr r="0" g="0" b="0"/>
+      </a:fillRef>
+      <a:effectRef idx="0">
+        <a:scrgbClr r="0" g="0" b="0"/>
+      </a:effectRef>
+      <a:fontRef idx="minor"/>
+    </dgm:style>
+  </dgm:styleLbl>
+</dgm:styleDef>
+</file>
+
+<file path=ppt/diagrams/quickStyle5.xml><?xml version="1.0" encoding="utf-8"?>
+<dgm:styleDef xmlns:dgm="http://schemas.openxmlformats.org/drawingml/2006/diagram" xmlns:a="http://schemas.openxmlformats.org/drawingml/2006/main" uniqueId="urn:microsoft.com/office/officeart/2005/8/quickstyle/simple1">
+  <dgm:title val=""/>
+  <dgm:desc val=""/>
+  <dgm:catLst>
+    <dgm:cat type="simple" pri="10100"/>
+  </dgm:catLst>
+  <dgm:scene3d>
+    <a:camera prst="orthographicFront"/>
+    <a:lightRig rig="threePt" dir="t"/>
+  </dgm:scene3d>
+  <dgm:styleLbl name="node0">
+    <dgm:scene3d>
+      <a:camera prst="orthographicFront"/>
+      <a:lightRig rig="threePt" dir="t"/>
+    </dgm:scene3d>
+    <dgm:sp3d/>
+    <dgm:txPr/>
+    <dgm:style>
+      <a:lnRef idx="2">
+        <a:scrgbClr r="0" g="0" b="0"/>
+      </a:lnRef>
+      <a:fillRef idx="1">
+        <a:scrgbClr r="0" g="0" b="0"/>
+      </a:fillRef>
+      <a:effectRef idx="0">
+        <a:scrgbClr r="0" g="0" b="0"/>
+      </a:effectRef>
+      <a:fontRef idx="minor">
+        <a:schemeClr val="lt1"/>
+      </a:fontRef>
+    </dgm:style>
+  </dgm:styleLbl>
+  <dgm:styleLbl name="lnNode1">
+    <dgm:scene3d>
+      <a:camera prst="orthographicFront"/>
+      <a:lightRig rig="threePt" dir="t"/>
+    </dgm:scene3d>
+    <dgm:sp3d/>
+    <dgm:txPr/>
+    <dgm:style>
+      <a:lnRef idx="2">
+        <a:scrgbClr r="0" g="0" b="0"/>
+      </a:lnRef>
+      <a:fillRef idx="1">
+        <a:scrgbClr r="0" g="0" b="0"/>
+      </a:fillRef>
+      <a:effectRef idx="0">
+        <a:scrgbClr r="0" g="0" b="0"/>
+      </a:effectRef>
+      <a:fontRef idx="minor">
+        <a:schemeClr val="lt1"/>
+      </a:fontRef>
+    </dgm:style>
+  </dgm:styleLbl>
+  <dgm:styleLbl name="vennNode1">
+    <dgm:scene3d>
+      <a:camera prst="orthographicFront"/>
+      <a:lightRig rig="threePt" dir="t"/>
+    </dgm:scene3d>
+    <dgm:sp3d/>
+    <dgm:txPr/>
+    <dgm:style>
+      <a:lnRef idx="2">
+        <a:scrgbClr r="0" g="0" b="0"/>
+      </a:lnRef>
+      <a:fillRef idx="1">
+        <a:scrgbClr r="0" g="0" b="0"/>
+      </a:fillRef>
+      <a:effectRef idx="0">
+        <a:scrgbClr r="0" g="0" b="0"/>
+      </a:effectRef>
+      <a:fontRef idx="minor">
+        <a:schemeClr val="tx1"/>
+      </a:fontRef>
+    </dgm:style>
+  </dgm:styleLbl>
+  <dgm:styleLbl name="alignNode1">
+    <dgm:scene3d>
+      <a:camera prst="orthographicFront"/>
+      <a:lightRig rig="threePt" dir="t"/>
+    </dgm:scene3d>
+    <dgm:sp3d/>
+    <dgm:txPr/>
+    <dgm:style>
+      <a:lnRef idx="2">
+        <a:scrgbClr r="0" g="0" b="0"/>
+      </a:lnRef>
+      <a:fillRef idx="1">
+        <a:scrgbClr r="0" g="0" b="0"/>
+      </a:fillRef>
+      <a:effectRef idx="0">
+        <a:scrgbClr r="0" g="0" b="0"/>
+      </a:effectRef>
+      <a:fontRef idx="minor">
+        <a:schemeClr val="lt1"/>
+      </a:fontRef>
+    </dgm:style>
+  </dgm:styleLbl>
+  <dgm:styleLbl name="node1">
+    <dgm:scene3d>
+      <a:camera prst="orthographicFront"/>
+      <a:lightRig rig="threePt" dir="t"/>
+    </dgm:scene3d>
+    <dgm:sp3d/>
+    <dgm:txPr/>
+    <dgm:style>
+      <a:lnRef idx="2">
+        <a:scrgbClr r="0" g="0" b="0"/>
+      </a:lnRef>
+      <a:fillRef idx="1">
+        <a:scrgbClr r="0" g="0" b="0"/>
+      </a:fillRef>
+      <a:effectRef idx="0">
+        <a:scrgbClr r="0" g="0" b="0"/>
+      </a:effectRef>
+      <a:fontRef idx="minor">
+        <a:schemeClr val="lt1"/>
+      </a:fontRef>
+    </dgm:style>
+  </dgm:styleLbl>
+  <dgm:styleLbl name="node2">
+    <dgm:scene3d>
+      <a:camera prst="orthographicFront"/>
+      <a:lightRig rig="threePt" dir="t"/>
+    </dgm:scene3d>
+    <dgm:sp3d/>
+    <dgm:txPr/>
+    <dgm:style>
+      <a:lnRef idx="2">
+        <a:scrgbClr r="0" g="0" b="0"/>
+      </a:lnRef>
+      <a:fillRef idx="1">
+        <a:scrgbClr r="0" g="0" b="0"/>
+      </a:fillRef>
+      <a:effectRef idx="0">
+        <a:scrgbClr r="0" g="0" b="0"/>
+      </a:effectRef>
+      <a:fontRef idx="minor">
+        <a:schemeClr val="lt1"/>
+      </a:fontRef>
+    </dgm:style>
+  </dgm:styleLbl>
+  <dgm:styleLbl name="node3">
+    <dgm:scene3d>
+      <a:camera prst="orthographicFront"/>
+      <a:lightRig rig="threePt" dir="t"/>
+    </dgm:scene3d>
+    <dgm:sp3d/>
+    <dgm:txPr/>
+    <dgm:style>
+      <a:lnRef idx="2">
+        <a:scrgbClr r="0" g="0" b="0"/>
+      </a:lnRef>
+      <a:fillRef idx="1">
+        <a:scrgbClr r="0" g="0" b="0"/>
+      </a:fillRef>
+      <a:effectRef idx="0">
+        <a:scrgbClr r="0" g="0" b="0"/>
+      </a:effectRef>
+      <a:fontRef idx="minor">
+        <a:schemeClr val="lt1"/>
+      </a:fontRef>
+    </dgm:style>
+  </dgm:styleLbl>
+  <dgm:styleLbl name="node4">
+    <dgm:scene3d>
+      <a:camera prst="orthographicFront"/>
+      <a:lightRig rig="threePt" dir="t"/>
+    </dgm:scene3d>
+    <dgm:sp3d/>
+    <dgm:txPr/>
+    <dgm:style>
+      <a:lnRef idx="2">
+        <a:scrgbClr r="0" g="0" b="0"/>
+      </a:lnRef>
+      <a:fillRef idx="1">
+        <a:scrgbClr r="0" g="0" b="0"/>
+      </a:fillRef>
+      <a:effectRef idx="0">
+        <a:scrgbClr r="0" g="0" b="0"/>
+      </a:effectRef>
+      <a:fontRef idx="minor">
+        <a:schemeClr val="lt1"/>
+      </a:fontRef>
+    </dgm:style>
+  </dgm:styleLbl>
+  <dgm:styleLbl name="fgImgPlace1">
+    <dgm:scene3d>
+      <a:camera prst="orthographicFront"/>
+      <a:lightRig rig="threePt" dir="t"/>
+    </dgm:scene3d>
+    <dgm:sp3d/>
+    <dgm:txPr/>
+    <dgm:style>
+      <a:lnRef idx="2">
+        <a:scrgbClr r="0" g="0" b="0"/>
+      </a:lnRef>
+      <a:fillRef idx="1">
+        <a:scrgbClr r="0" g="0" b="0"/>
+      </a:fillRef>
+      <a:effectRef idx="0">
+        <a:scrgbClr r="0" g="0" b="0"/>
+      </a:effectRef>
+      <a:fontRef idx="minor"/>
+    </dgm:style>
+  </dgm:styleLbl>
+  <dgm:styleLbl name="alignImgPlace1">
+    <dgm:scene3d>
+      <a:camera prst="orthographicFront"/>
+      <a:lightRig rig="threePt" dir="t"/>
+    </dgm:scene3d>
+    <dgm:sp3d/>
+    <dgm:txPr/>
+    <dgm:style>
+      <a:lnRef idx="2">
+        <a:scrgbClr r="0" g="0" b="0"/>
+      </a:lnRef>
+      <a:fillRef idx="1">
+        <a:scrgbClr r="0" g="0" b="0"/>
+      </a:fillRef>
+      <a:effectRef idx="0">
+        <a:scrgbClr r="0" g="0" b="0"/>
+      </a:effectRef>
+      <a:fontRef idx="minor"/>
+    </dgm:style>
+  </dgm:styleLbl>
+  <dgm:styleLbl name="bgImgPlace1">
+    <dgm:scene3d>
+      <a:camera prst="orthographicFront"/>
+      <a:lightRig rig="threePt" dir="t"/>
+    </dgm:scene3d>
+    <dgm:sp3d/>
+    <dgm:txPr/>
+    <dgm:style>
+      <a:lnRef idx="2">
+        <a:scrgbClr r="0" g="0" b="0"/>
+      </a:lnRef>
+      <a:fillRef idx="1">
+        <a:scrgbClr r="0" g="0" b="0"/>
+      </a:fillRef>
+      <a:effectRef idx="0">
+        <a:scrgbClr r="0" g="0" b="0"/>
+      </a:effectRef>
+      <a:fontRef idx="minor"/>
+    </dgm:style>
+  </dgm:styleLbl>
+  <dgm:styleLbl name="sibTrans2D1">
+    <dgm:scene3d>
+      <a:camera prst="orthographicFront"/>
+      <a:lightRig rig="threePt" dir="t"/>
+    </dgm:scene3d>
+    <dgm:sp3d/>
+    <dgm:txPr/>
+    <dgm:style>
+      <a:lnRef idx="0">
+        <a:scrgbClr r="0" g="0" b="0"/>
+      </a:lnRef>
+      <a:fillRef idx="1">
+        <a:scrgbClr r="0" g="0" b="0"/>
+      </a:fillRef>
+      <a:effectRef idx="0">
+        <a:scrgbClr r="0" g="0" b="0"/>
+      </a:effectRef>
+      <a:fontRef idx="minor">
+        <a:schemeClr val="lt1"/>
+      </a:fontRef>
+    </dgm:style>
+  </dgm:styleLbl>
+  <dgm:styleLbl name="fgSibTrans2D1">
+    <dgm:scene3d>
+      <a:camera prst="orthographicFront"/>
+      <a:lightRig rig="threePt" dir="t"/>
+    </dgm:scene3d>
+    <dgm:sp3d/>
+    <dgm:txPr/>
+    <dgm:style>
+      <a:lnRef idx="0">
+        <a:scrgbClr r="0" g="0" b="0"/>
+      </a:lnRef>
+      <a:fillRef idx="1">
+        <a:scrgbClr r="0" g="0" b="0"/>
+      </a:fillRef>
+      <a:effectRef idx="0">
+        <a:scrgbClr r="0" g="0" b="0"/>
+      </a:effectRef>
+      <a:fontRef idx="minor">
+        <a:schemeClr val="lt1"/>
+      </a:fontRef>
+    </dgm:style>
+  </dgm:styleLbl>
+  <dgm:styleLbl name="bgSibTrans2D1">
+    <dgm:scene3d>
+      <a:camera prst="orthographicFront"/>
+      <a:lightRig rig="threePt" dir="t"/>
+    </dgm:scene3d>
+    <dgm:sp3d/>
+    <dgm:txPr/>
+    <dgm:style>
+      <a:lnRef idx="0">
+        <a:scrgbClr r="0" g="0" b="0"/>
+      </a:lnRef>
+      <a:fillRef idx="1">
+        <a:scrgbClr r="0" g="0" b="0"/>
+      </a:fillRef>
+      <a:effectRef idx="0">
+        <a:scrgbClr r="0" g="0" b="0"/>
+      </a:effectRef>
+      <a:fontRef idx="minor">
+        <a:schemeClr val="lt1"/>
+      </a:fontRef>
+    </dgm:style>
+  </dgm:styleLbl>
+  <dgm:styleLbl name="sibTrans1D1">
+    <dgm:scene3d>
+      <a:camera prst="orthographicFront"/>
+      <a:lightRig rig="threePt" dir="t"/>
+    </dgm:scene3d>
+    <dgm:sp3d/>
+    <dgm:txPr/>
+    <dgm:style>
+      <a:lnRef idx="1">
+        <a:scrgbClr r="0" g="0" b="0"/>
+      </a:lnRef>
+      <a:fillRef idx="0">
+        <a:scrgbClr r="0" g="0" b="0"/>
+      </a:fillRef>
+      <a:effectRef idx="0">
+        <a:scrgbClr r="0" g="0" b="0"/>
+      </a:effectRef>
+      <a:fontRef idx="minor"/>
+    </dgm:style>
+  </dgm:styleLbl>
+  <dgm:styleLbl name="callout">
+    <dgm:scene3d>
+      <a:camera prst="orthographicFront"/>
+      <a:lightRig rig="threePt" dir="t"/>
+    </dgm:scene3d>
+    <dgm:sp3d/>
+    <dgm:txPr/>
+    <dgm:style>
+      <a:lnRef idx="2">
+        <a:scrgbClr r="0" g="0" b="0"/>
+      </a:lnRef>
+      <a:fillRef idx="1">
+        <a:scrgbClr r="0" g="0" b="0"/>
+      </a:fillRef>
+      <a:effectRef idx="0">
+        <a:scrgbClr r="0" g="0" b="0"/>
+      </a:effectRef>
+      <a:fontRef idx="minor"/>
+    </dgm:style>
+  </dgm:styleLbl>
+  <dgm:styleLbl name="asst0">
+    <dgm:scene3d>
+      <a:camera prst="orthographicFront"/>
+      <a:lightRig rig="threePt" dir="t"/>
+    </dgm:scene3d>
+    <dgm:sp3d/>
+    <dgm:txPr/>
+    <dgm:style>
+      <a:lnRef idx="2">
+        <a:scrgbClr r="0" g="0" b="0"/>
+      </a:lnRef>
+      <a:fillRef idx="1">
+        <a:scrgbClr r="0" g="0" b="0"/>
+      </a:fillRef>
+      <a:effectRef idx="0">
+        <a:scrgbClr r="0" g="0" b="0"/>
+      </a:effectRef>
+      <a:fontRef idx="minor">
+        <a:schemeClr val="lt1"/>
+      </a:fontRef>
+    </dgm:style>
+  </dgm:styleLbl>
+  <dgm:styleLbl name="asst1">
+    <dgm:scene3d>
+      <a:camera prst="orthographicFront"/>
+      <a:lightRig rig="threePt" dir="t"/>
+    </dgm:scene3d>
+    <dgm:sp3d/>
+    <dgm:txPr/>
+    <dgm:style>
+      <a:lnRef idx="2">
+        <a:scrgbClr r="0" g="0" b="0"/>
+      </a:lnRef>
+      <a:fillRef idx="1">
+        <a:scrgbClr r="0" g="0" b="0"/>
+      </a:fillRef>
+      <a:effectRef idx="0">
+        <a:scrgbClr r="0" g="0" b="0"/>
+      </a:effectRef>
+      <a:fontRef idx="minor">
+        <a:schemeClr val="lt1"/>
+      </a:fontRef>
+    </dgm:style>
+  </dgm:styleLbl>
+  <dgm:styleLbl name="asst2">
+    <dgm:scene3d>
+      <a:camera prst="orthographicFront"/>
+      <a:lightRig rig="threePt" dir="t"/>
+    </dgm:scene3d>
+    <dgm:sp3d/>
+    <dgm:txPr/>
+    <dgm:style>
+      <a:lnRef idx="2">
+        <a:scrgbClr r="0" g="0" b="0"/>
+      </a:lnRef>
+      <a:fillRef idx="1">
+        <a:scrgbClr r="0" g="0" b="0"/>
+      </a:fillRef>
+      <a:effectRef idx="0">
+        <a:scrgbClr r="0" g="0" b="0"/>
+      </a:effectRef>
+      <a:fontRef idx="minor">
+        <a:schemeClr val="lt1"/>
+      </a:fontRef>
+    </dgm:style>
+  </dgm:styleLbl>
+  <dgm:styleLbl name="asst3">
+    <dgm:scene3d>
+      <a:camera prst="orthographicFront"/>
+      <a:lightRig rig="threePt" dir="t"/>
+    </dgm:scene3d>
+    <dgm:sp3d/>
+    <dgm:txPr/>
+    <dgm:style>
+      <a:lnRef idx="2">
+        <a:scrgbClr r="0" g="0" b="0"/>
+      </a:lnRef>
+      <a:fillRef idx="1">
+        <a:scrgbClr r="0" g="0" b="0"/>
+      </a:fillRef>
+      <a:effectRef idx="0">
+        <a:scrgbClr r="0" g="0" b="0"/>
+      </a:effectRef>
+      <a:fontRef idx="minor">
+        <a:schemeClr val="lt1"/>
+      </a:fontRef>
+    </dgm:style>
+  </dgm:styleLbl>
+  <dgm:styleLbl name="asst4">
+    <dgm:scene3d>
+      <a:camera prst="orthographicFront"/>
+      <a:lightRig rig="threePt" dir="t"/>
+    </dgm:scene3d>
+    <dgm:sp3d/>
+    <dgm:txPr/>
+    <dgm:style>
+      <a:lnRef idx="2">
+        <a:scrgbClr r="0" g="0" b="0"/>
+      </a:lnRef>
+      <a:fillRef idx="1">
+        <a:scrgbClr r="0" g="0" b="0"/>
+      </a:fillRef>
+      <a:effectRef idx="0">
+        <a:scrgbClr r="0" g="0" b="0"/>
+      </a:effectRef>
+      <a:fontRef idx="minor">
+        <a:schemeClr val="lt1"/>
+      </a:fontRef>
+    </dgm:style>
+  </dgm:styleLbl>
+  <dgm:styleLbl name="parChTrans2D1">
+    <dgm:scene3d>
+      <a:camera prst="orthographicFront"/>
+      <a:lightRig rig="threePt" dir="t"/>
+    </dgm:scene3d>
+    <dgm:sp3d/>
+    <dgm:txPr/>
+    <dgm:style>
+      <a:lnRef idx="2">
+        <a:scrgbClr r="0" g="0" b="0"/>
+      </a:lnRef>
+      <a:fillRef idx="1">
+        <a:scrgbClr r="0" g="0" b="0"/>
+      </a:fillRef>
+      <a:effectRef idx="0">
+        <a:scrgbClr r="0" g="0" b="0"/>
+      </a:effectRef>
+      <a:fontRef idx="minor">
+        <a:schemeClr val="lt1"/>
+      </a:fontRef>
+    </dgm:style>
+  </dgm:styleLbl>
+  <dgm:styleLbl name="parChTrans2D2">
+    <dgm:scene3d>
+      <a:camera prst="orthographicFront"/>
+      <a:lightRig rig="threePt" dir="t"/>
+    </dgm:scene3d>
+    <dgm:sp3d/>
+    <dgm:txPr/>
+    <dgm:style>
+      <a:lnRef idx="2">
+        <a:scrgbClr r="0" g="0" b="0"/>
+      </a:lnRef>
+      <a:fillRef idx="1">
+        <a:scrgbClr r="0" g="0" b="0"/>
+      </a:fillRef>
+      <a:effectRef idx="0">
+        <a:scrgbClr r="0" g="0" b="0"/>
+      </a:effectRef>
+      <a:fontRef idx="minor">
+        <a:schemeClr val="lt1"/>
+      </a:fontRef>
+    </dgm:style>
+  </dgm:styleLbl>
+  <dgm:styleLbl name="parChTrans2D3">
+    <dgm:scene3d>
+      <a:camera prst="orthographicFront"/>
+      <a:lightRig rig="threePt" dir="t"/>
+    </dgm:scene3d>
+    <dgm:sp3d/>
+    <dgm:txPr/>
+    <dgm:style>
+      <a:lnRef idx="2">
+        <a:scrgbClr r="0" g="0" b="0"/>
+      </a:lnRef>
+      <a:fillRef idx="1">
+        <a:scrgbClr r="0" g="0" b="0"/>
+      </a:fillRef>
+      <a:effectRef idx="0">
+        <a:scrgbClr r="0" g="0" b="0"/>
+      </a:effectRef>
+      <a:fontRef idx="minor">
+        <a:schemeClr val="lt1"/>
+      </a:fontRef>
+    </dgm:style>
+  </dgm:styleLbl>
+  <dgm:styleLbl name="parChTrans2D4">
+    <dgm:scene3d>
+      <a:camera prst="orthographicFront"/>
+      <a:lightRig rig="threePt" dir="t"/>
+    </dgm:scene3d>
+    <dgm:sp3d/>
+    <dgm:txPr/>
+    <dgm:style>
+      <a:lnRef idx="2">
+        <a:scrgbClr r="0" g="0" b="0"/>
+      </a:lnRef>
+      <a:fillRef idx="1">
+        <a:scrgbClr r="0" g="0" b="0"/>
+      </a:fillRef>
+      <a:effectRef idx="0">
+        <a:scrgbClr r="0" g="0" b="0"/>
+      </a:effectRef>
+      <a:fontRef idx="minor">
+        <a:schemeClr val="lt1"/>
+      </a:fontRef>
+    </dgm:style>
+  </dgm:styleLbl>
+  <dgm:styleLbl name="parChTrans1D1">
+    <dgm:scene3d>
+      <a:camera prst="orthographicFront"/>
+      <a:lightRig rig="threePt" dir="t"/>
+    </dgm:scene3d>
+    <dgm:sp3d/>
+    <dgm:txPr/>
+    <dgm:style>
+      <a:lnRef idx="2">
+        <a:scrgbClr r="0" g="0" b="0"/>
+      </a:lnRef>
+      <a:fillRef idx="0">
+        <a:scrgbClr r="0" g="0" b="0"/>
+      </a:fillRef>
+      <a:effectRef idx="0">
+        <a:scrgbClr r="0" g="0" b="0"/>
+      </a:effectRef>
+      <a:fontRef idx="minor"/>
+    </dgm:style>
+  </dgm:styleLbl>
+  <dgm:styleLbl name="parChTrans1D2">
+    <dgm:scene3d>
+      <a:camera prst="orthographicFront"/>
+      <a:lightRig rig="threePt" dir="t"/>
+    </dgm:scene3d>
+    <dgm:sp3d/>
+    <dgm:txPr/>
+    <dgm:style>
+      <a:lnRef idx="2">
+        <a:scrgbClr r="0" g="0" b="0"/>
+      </a:lnRef>
+      <a:fillRef idx="0">
+        <a:scrgbClr r="0" g="0" b="0"/>
+      </a:fillRef>
+      <a:effectRef idx="0">
+        <a:scrgbClr r="0" g="0" b="0"/>
+      </a:effectRef>
+      <a:fontRef idx="minor"/>
+    </dgm:style>
+  </dgm:styleLbl>
+  <dgm:styleLbl name="parChTrans1D3">
+    <dgm:scene3d>
+      <a:camera prst="orthographicFront"/>
+      <a:lightRig rig="threePt" dir="t"/>
+    </dgm:scene3d>
+    <dgm:sp3d/>
+    <dgm:txPr/>
+    <dgm:style>
+      <a:lnRef idx="2">
+        <a:scrgbClr r="0" g="0" b="0"/>
+      </a:lnRef>
+      <a:fillRef idx="0">
+        <a:scrgbClr r="0" g="0" b="0"/>
+      </a:fillRef>
+      <a:effectRef idx="0">
+        <a:scrgbClr r="0" g="0" b="0"/>
+      </a:effectRef>
+      <a:fontRef idx="minor"/>
+    </dgm:style>
+  </dgm:styleLbl>
+  <dgm:styleLbl name="parChTrans1D4">
+    <dgm:scene3d>
+      <a:camera prst="orthographicFront"/>
+      <a:lightRig rig="threePt" dir="t"/>
+    </dgm:scene3d>
+    <dgm:sp3d/>
+    <dgm:txPr/>
+    <dgm:style>
+      <a:lnRef idx="2">
+        <a:scrgbClr r="0" g="0" b="0"/>
+      </a:lnRef>
+      <a:fillRef idx="0">
+        <a:scrgbClr r="0" g="0" b="0"/>
+      </a:fillRef>
+      <a:effectRef idx="0">
+        <a:scrgbClr r="0" g="0" b="0"/>
+      </a:effectRef>
+      <a:fontRef idx="minor"/>
+    </dgm:style>
+  </dgm:styleLbl>
+  <dgm:styleLbl name="fgAcc1">
+    <dgm:scene3d>
+      <a:camera prst="orthographicFront"/>
+      <a:lightRig rig="threePt" dir="t"/>
+    </dgm:scene3d>
+    <dgm:sp3d/>
+    <dgm:txPr/>
+    <dgm:style>
+      <a:lnRef idx="2">
+        <a:scrgbClr r="0" g="0" b="0"/>
+      </a:lnRef>
+      <a:fillRef idx="1">
+        <a:scrgbClr r="0" g="0" b="0"/>
+      </a:fillRef>
+      <a:effectRef idx="0">
+        <a:scrgbClr r="0" g="0" b="0"/>
+      </a:effectRef>
+      <a:fontRef idx="minor"/>
+    </dgm:style>
+  </dgm:styleLbl>
+  <dgm:styleLbl name="conFgAcc1">
+    <dgm:scene3d>
+      <a:camera prst="orthographicFront"/>
+      <a:lightRig rig="threePt" dir="t"/>
+    </dgm:scene3d>
+    <dgm:sp3d/>
+    <dgm:txPr/>
+    <dgm:style>
+      <a:lnRef idx="2">
+        <a:scrgbClr r="0" g="0" b="0"/>
+      </a:lnRef>
+      <a:fillRef idx="1">
+        <a:scrgbClr r="0" g="0" b="0"/>
+      </a:fillRef>
+      <a:effectRef idx="0">
+        <a:scrgbClr r="0" g="0" b="0"/>
+      </a:effectRef>
+      <a:fontRef idx="minor"/>
+    </dgm:style>
+  </dgm:styleLbl>
+  <dgm:styleLbl name="alignAcc1">
+    <dgm:scene3d>
+      <a:camera prst="orthographicFront"/>
+      <a:lightRig rig="threePt" dir="t"/>
+    </dgm:scene3d>
+    <dgm:sp3d/>
+    <dgm:txPr/>
+    <dgm:style>
+      <a:lnRef idx="2">
+        <a:scrgbClr r="0" g="0" b="0"/>
+      </a:lnRef>
+      <a:fillRef idx="1">
+        <a:scrgbClr r="0" g="0" b="0"/>
+      </a:fillRef>
+      <a:effectRef idx="0">
+        <a:scrgbClr r="0" g="0" b="0"/>
+      </a:effectRef>
+      <a:fontRef idx="minor"/>
+    </dgm:style>
+  </dgm:styleLbl>
+  <dgm:styleLbl name="trAlignAcc1">
+    <dgm:scene3d>
+      <a:camera prst="orthographicFront"/>
+      <a:lightRig rig="threePt" dir="t"/>
+    </dgm:scene3d>
+    <dgm:sp3d/>
+    <dgm:txPr/>
+    <dgm:style>
+      <a:lnRef idx="1">
+        <a:scrgbClr r="0" g="0" b="0"/>
+      </a:lnRef>
+      <a:fillRef idx="1">
+        <a:scrgbClr r="0" g="0" b="0"/>
+      </a:fillRef>
+      <a:effectRef idx="0">
+        <a:scrgbClr r="0" g="0" b="0"/>
+      </a:effectRef>
+      <a:fontRef idx="minor"/>
+    </dgm:style>
+  </dgm:styleLbl>
+  <dgm:styleLbl name="bgAcc1">
+    <dgm:scene3d>
+      <a:camera prst="orthographicFront"/>
+      <a:lightRig rig="threePt" dir="t"/>
+    </dgm:scene3d>
+    <dgm:sp3d/>
+    <dgm:txPr/>
+    <dgm:style>
+      <a:lnRef idx="2">
+        <a:scrgbClr r="0" g="0" b="0"/>
+      </a:lnRef>
+      <a:fillRef idx="1">
+        <a:scrgbClr r="0" g="0" b="0"/>
+      </a:fillRef>
+      <a:effectRef idx="0">
+        <a:scrgbClr r="0" g="0" b="0"/>
+      </a:effectRef>
+      <a:fontRef idx="minor"/>
+    </dgm:style>
+  </dgm:styleLbl>
+  <dgm:styleLbl name="solidFgAcc1">
+    <dgm:scene3d>
+      <a:camera prst="orthographicFront"/>
+      <a:lightRig rig="threePt" dir="t"/>
+    </dgm:scene3d>
+    <dgm:sp3d/>
+    <dgm:txPr/>
+    <dgm:style>
+      <a:lnRef idx="2">
+        <a:scrgbClr r="0" g="0" b="0"/>
+      </a:lnRef>
+      <a:fillRef idx="1">
+        <a:scrgbClr r="0" g="0" b="0"/>
+      </a:fillRef>
+      <a:effectRef idx="0">
+        <a:scrgbClr r="0" g="0" b="0"/>
+      </a:effectRef>
+      <a:fontRef idx="minor"/>
+    </dgm:style>
+  </dgm:styleLbl>
+  <dgm:styleLbl name="solidAlignAcc1">
+    <dgm:scene3d>
+      <a:camera prst="orthographicFront"/>
+      <a:lightRig rig="threePt" dir="t"/>
+    </dgm:scene3d>
+    <dgm:sp3d/>
+    <dgm:txPr/>
+    <dgm:style>
+      <a:lnRef idx="2">
+        <a:scrgbClr r="0" g="0" b="0"/>
+      </a:lnRef>
+      <a:fillRef idx="1">
+        <a:scrgbClr r="0" g="0" b="0"/>
+      </a:fillRef>
+      <a:effectRef idx="0">
+        <a:scrgbClr r="0" g="0" b="0"/>
+      </a:effectRef>
+      <a:fontRef idx="minor"/>
+    </dgm:style>
+  </dgm:styleLbl>
+  <dgm:styleLbl name="solidBgAcc1">
+    <dgm:scene3d>
+      <a:camera prst="orthographicFront"/>
+      <a:lightRig rig="threePt" dir="t"/>
+    </dgm:scene3d>
+    <dgm:sp3d/>
+    <dgm:txPr/>
+    <dgm:style>
+      <a:lnRef idx="2">
+        <a:scrgbClr r="0" g="0" b="0"/>
+      </a:lnRef>
+      <a:fillRef idx="1">
+        <a:scrgbClr r="0" g="0" b="0"/>
+      </a:fillRef>
+      <a:effectRef idx="0">
+        <a:scrgbClr r="0" g="0" b="0"/>
+      </a:effectRef>
+      <a:fontRef idx="minor"/>
+    </dgm:style>
+  </dgm:styleLbl>
+  <dgm:styleLbl name="fgAccFollowNode1">
+    <dgm:scene3d>
+      <a:camera prst="orthographicFront"/>
+      <a:lightRig rig="threePt" dir="t"/>
+    </dgm:scene3d>
+    <dgm:sp3d/>
+    <dgm:txPr/>
+    <dgm:style>
+      <a:lnRef idx="2">
+        <a:scrgbClr r="0" g="0" b="0"/>
+      </a:lnRef>
+      <a:fillRef idx="1">
+        <a:scrgbClr r="0" g="0" b="0"/>
+      </a:fillRef>
+      <a:effectRef idx="0">
+        <a:scrgbClr r="0" g="0" b="0"/>
+      </a:effectRef>
+      <a:fontRef idx="minor"/>
+    </dgm:style>
+  </dgm:styleLbl>
+  <dgm:styleLbl name="alignAccFollowNode1">
+    <dgm:scene3d>
+      <a:camera prst="orthographicFront"/>
+      <a:lightRig rig="threePt" dir="t"/>
+    </dgm:scene3d>
+    <dgm:sp3d/>
+    <dgm:txPr/>
+    <dgm:style>
+      <a:lnRef idx="2">
+        <a:scrgbClr r="0" g="0" b="0"/>
+      </a:lnRef>
+      <a:fillRef idx="1">
+        <a:scrgbClr r="0" g="0" b="0"/>
+      </a:fillRef>
+      <a:effectRef idx="0">
+        <a:scrgbClr r="0" g="0" b="0"/>
+      </a:effectRef>
+      <a:fontRef idx="minor"/>
+    </dgm:style>
+  </dgm:styleLbl>
+  <dgm:styleLbl name="bgAccFollowNode1">
+    <dgm:scene3d>
+      <a:camera prst="orthographicFront"/>
+      <a:lightRig rig="threePt" dir="t"/>
+    </dgm:scene3d>
+    <dgm:sp3d/>
+    <dgm:txPr/>
+    <dgm:style>
+      <a:lnRef idx="2">
+        <a:scrgbClr r="0" g="0" b="0"/>
+      </a:lnRef>
+      <a:fillRef idx="1">
+        <a:scrgbClr r="0" g="0" b="0"/>
+      </a:fillRef>
+      <a:effectRef idx="0">
+        <a:scrgbClr r="0" g="0" b="0"/>
+      </a:effectRef>
+      <a:fontRef idx="minor"/>
+    </dgm:style>
+  </dgm:styleLbl>
+  <dgm:styleLbl name="fgAcc0">
+    <dgm:scene3d>
+      <a:camera prst="orthographicFront"/>
+      <a:lightRig rig="threePt" dir="t"/>
+    </dgm:scene3d>
+    <dgm:sp3d/>
+    <dgm:txPr/>
+    <dgm:style>
+      <a:lnRef idx="2">
+        <a:scrgbClr r="0" g="0" b="0"/>
+      </a:lnRef>
+      <a:fillRef idx="1">
+        <a:scrgbClr r="0" g="0" b="0"/>
+      </a:fillRef>
+      <a:effectRef idx="0">
+        <a:scrgbClr r="0" g="0" b="0"/>
+      </a:effectRef>
+      <a:fontRef idx="minor"/>
+    </dgm:style>
+  </dgm:styleLbl>
+  <dgm:styleLbl name="fgAcc2">
+    <dgm:scene3d>
+      <a:camera prst="orthographicFront"/>
+      <a:lightRig rig="threePt" dir="t"/>
+    </dgm:scene3d>
+    <dgm:sp3d/>
+    <dgm:txPr/>
+    <dgm:style>
+      <a:lnRef idx="2">
+        <a:scrgbClr r="0" g="0" b="0"/>
+      </a:lnRef>
+      <a:fillRef idx="1">
+        <a:scrgbClr r="0" g="0" b="0"/>
+      </a:fillRef>
+      <a:effectRef idx="0">
+        <a:scrgbClr r="0" g="0" b="0"/>
+      </a:effectRef>
+      <a:fontRef idx="minor"/>
+    </dgm:style>
+  </dgm:styleLbl>
+  <dgm:styleLbl name="fgAcc3">
+    <dgm:scene3d>
+      <a:camera prst="orthographicFront"/>
+      <a:lightRig rig="threePt" dir="t"/>
+    </dgm:scene3d>
+    <dgm:sp3d/>
+    <dgm:txPr/>
+    <dgm:style>
+      <a:lnRef idx="2">
+        <a:scrgbClr r="0" g="0" b="0"/>
+      </a:lnRef>
+      <a:fillRef idx="1">
+        <a:scrgbClr r="0" g="0" b="0"/>
+      </a:fillRef>
+      <a:effectRef idx="0">
+        <a:scrgbClr r="0" g="0" b="0"/>
+      </a:effectRef>
+      <a:fontRef idx="minor"/>
+    </dgm:style>
+  </dgm:styleLbl>
+  <dgm:styleLbl name="fgAcc4">
+    <dgm:scene3d>
+      <a:camera prst="orthographicFront"/>
+      <a:lightRig rig="threePt" dir="t"/>
+    </dgm:scene3d>
+    <dgm:sp3d/>
+    <dgm:txPr/>
+    <dgm:style>
+      <a:lnRef idx="2">
+        <a:scrgbClr r="0" g="0" b="0"/>
+      </a:lnRef>
+      <a:fillRef idx="1">
+        <a:scrgbClr r="0" g="0" b="0"/>
+      </a:fillRef>
+      <a:effectRef idx="0">
+        <a:scrgbClr r="0" g="0" b="0"/>
+      </a:effectRef>
+      <a:fontRef idx="minor"/>
+    </dgm:style>
+  </dgm:styleLbl>
+  <dgm:styleLbl name="bgShp">
+    <dgm:scene3d>
+      <a:camera prst="orthographicFront"/>
+      <a:lightRig rig="threePt" dir="t"/>
+    </dgm:scene3d>
+    <dgm:sp3d/>
+    <dgm:txPr/>
+    <dgm:style>
+      <a:lnRef idx="0">
+        <a:scrgbClr r="0" g="0" b="0"/>
+      </a:lnRef>
+      <a:fillRef idx="1">
+        <a:scrgbClr r="0" g="0" b="0"/>
+      </a:fillRef>
+      <a:effectRef idx="0">
+        <a:scrgbClr r="0" g="0" b="0"/>
+      </a:effectRef>
+      <a:fontRef idx="minor"/>
+    </dgm:style>
+  </dgm:styleLbl>
+  <dgm:styleLbl name="dkBgShp">
+    <dgm:scene3d>
+      <a:camera prst="orthographicFront"/>
+      <a:lightRig rig="threePt" dir="t"/>
+    </dgm:scene3d>
+    <dgm:sp3d/>
+    <dgm:txPr/>
+    <dgm:style>
+      <a:lnRef idx="0">
+        <a:scrgbClr r="0" g="0" b="0"/>
+      </a:lnRef>
+      <a:fillRef idx="1">
+        <a:scrgbClr r="0" g="0" b="0"/>
+      </a:fillRef>
+      <a:effectRef idx="0">
+        <a:scrgbClr r="0" g="0" b="0"/>
+      </a:effectRef>
+      <a:fontRef idx="minor"/>
+    </dgm:style>
+  </dgm:styleLbl>
+  <dgm:styleLbl name="trBgShp">
+    <dgm:scene3d>
+      <a:camera prst="orthographicFront"/>
+      <a:lightRig rig="threePt" dir="t"/>
+    </dgm:scene3d>
+    <dgm:sp3d/>
+    <dgm:txPr/>
+    <dgm:style>
+      <a:lnRef idx="0">
+        <a:scrgbClr r="0" g="0" b="0"/>
+      </a:lnRef>
+      <a:fillRef idx="1">
+        <a:scrgbClr r="0" g="0" b="0"/>
+      </a:fillRef>
+      <a:effectRef idx="0">
+        <a:scrgbClr r="0" g="0" b="0"/>
+      </a:effectRef>
+      <a:fontRef idx="minor"/>
+    </dgm:style>
+  </dgm:styleLbl>
+  <dgm:styleLbl name="fgShp">
+    <dgm:scene3d>
+      <a:camera prst="orthographicFront"/>
+      <a:lightRig rig="threePt" dir="t"/>
+    </dgm:scene3d>
+    <dgm:sp3d/>
+    <dgm:txPr/>
+    <dgm:style>
+      <a:lnRef idx="2">
+        <a:scrgbClr r="0" g="0" b="0"/>
+      </a:lnRef>
+      <a:fillRef idx="1">
+        <a:scrgbClr r="0" g="0" b="0"/>
+      </a:fillRef>
+      <a:effectRef idx="0">
         <a:scrgbClr r="0" g="0" b="0"/>
       </a:effectRef>
       <a:fontRef idx="minor"/>
@@ -13038,7 +16032,7 @@
           <a:p>
             <a:fld id="{DCDC810A-AE55-4141-9E49-8A70D70B0766}" type="datetimeFigureOut">
               <a:rPr lang="zh-CN" altLang="en-US" smtClean="0"/>
-              <a:t>2019-08-09</a:t>
+              <a:t>2019-08-27</a:t>
             </a:fld>
             <a:endParaRPr lang="zh-CN" altLang="en-US"/>
           </a:p>
@@ -13236,7 +16230,7 @@
           <a:p>
             <a:fld id="{DCDC810A-AE55-4141-9E49-8A70D70B0766}" type="datetimeFigureOut">
               <a:rPr lang="zh-CN" altLang="en-US" smtClean="0"/>
-              <a:t>2019-08-09</a:t>
+              <a:t>2019-08-27</a:t>
             </a:fld>
             <a:endParaRPr lang="zh-CN" altLang="en-US"/>
           </a:p>
@@ -13444,7 +16438,7 @@
           <a:p>
             <a:fld id="{DCDC810A-AE55-4141-9E49-8A70D70B0766}" type="datetimeFigureOut">
               <a:rPr lang="zh-CN" altLang="en-US" smtClean="0"/>
-              <a:t>2019-08-09</a:t>
+              <a:t>2019-08-27</a:t>
             </a:fld>
             <a:endParaRPr lang="zh-CN" altLang="en-US"/>
           </a:p>
@@ -13664,7 +16658,7 @@
           <a:p>
             <a:fld id="{7B6281DD-3C82-438C-A3C5-34024A1D8586}" type="datetimeFigureOut">
               <a:rPr lang="zh-CN" altLang="en-US" smtClean="0"/>
-              <a:t>2019-08-09</a:t>
+              <a:t>2019-08-27</a:t>
             </a:fld>
             <a:endParaRPr lang="zh-CN" altLang="en-US"/>
           </a:p>
@@ -13862,7 +16856,7 @@
           <a:p>
             <a:fld id="{7B6281DD-3C82-438C-A3C5-34024A1D8586}" type="datetimeFigureOut">
               <a:rPr lang="zh-CN" altLang="en-US" smtClean="0"/>
-              <a:t>2019-08-09</a:t>
+              <a:t>2019-08-27</a:t>
             </a:fld>
             <a:endParaRPr lang="zh-CN" altLang="en-US"/>
           </a:p>
@@ -14137,7 +17131,7 @@
           <a:p>
             <a:fld id="{7B6281DD-3C82-438C-A3C5-34024A1D8586}" type="datetimeFigureOut">
               <a:rPr lang="zh-CN" altLang="en-US" smtClean="0"/>
-              <a:t>2019-08-09</a:t>
+              <a:t>2019-08-27</a:t>
             </a:fld>
             <a:endParaRPr lang="zh-CN" altLang="en-US"/>
           </a:p>
@@ -14402,7 +17396,7 @@
           <a:p>
             <a:fld id="{7B6281DD-3C82-438C-A3C5-34024A1D8586}" type="datetimeFigureOut">
               <a:rPr lang="zh-CN" altLang="en-US" smtClean="0"/>
-              <a:t>2019-08-09</a:t>
+              <a:t>2019-08-27</a:t>
             </a:fld>
             <a:endParaRPr lang="zh-CN" altLang="en-US"/>
           </a:p>
@@ -14814,7 +17808,7 @@
           <a:p>
             <a:fld id="{7B6281DD-3C82-438C-A3C5-34024A1D8586}" type="datetimeFigureOut">
               <a:rPr lang="zh-CN" altLang="en-US" smtClean="0"/>
-              <a:t>2019-08-09</a:t>
+              <a:t>2019-08-27</a:t>
             </a:fld>
             <a:endParaRPr lang="zh-CN" altLang="en-US"/>
           </a:p>
@@ -14955,7 +17949,7 @@
           <a:p>
             <a:fld id="{7B6281DD-3C82-438C-A3C5-34024A1D8586}" type="datetimeFigureOut">
               <a:rPr lang="zh-CN" altLang="en-US" smtClean="0"/>
-              <a:t>2019-08-09</a:t>
+              <a:t>2019-08-27</a:t>
             </a:fld>
             <a:endParaRPr lang="zh-CN" altLang="en-US"/>
           </a:p>
@@ -15068,7 +18062,7 @@
           <a:p>
             <a:fld id="{7B6281DD-3C82-438C-A3C5-34024A1D8586}" type="datetimeFigureOut">
               <a:rPr lang="zh-CN" altLang="en-US" smtClean="0"/>
-              <a:t>2019-08-09</a:t>
+              <a:t>2019-08-27</a:t>
             </a:fld>
             <a:endParaRPr lang="zh-CN" altLang="en-US"/>
           </a:p>
@@ -15379,7 +18373,7 @@
           <a:p>
             <a:fld id="{7B6281DD-3C82-438C-A3C5-34024A1D8586}" type="datetimeFigureOut">
               <a:rPr lang="zh-CN" altLang="en-US" smtClean="0"/>
-              <a:t>2019-08-09</a:t>
+              <a:t>2019-08-27</a:t>
             </a:fld>
             <a:endParaRPr lang="zh-CN" altLang="en-US"/>
           </a:p>
@@ -15577,7 +18571,7 @@
           <a:p>
             <a:fld id="{DCDC810A-AE55-4141-9E49-8A70D70B0766}" type="datetimeFigureOut">
               <a:rPr lang="zh-CN" altLang="en-US" smtClean="0"/>
-              <a:t>2019-08-09</a:t>
+              <a:t>2019-08-27</a:t>
             </a:fld>
             <a:endParaRPr lang="zh-CN" altLang="en-US"/>
           </a:p>
@@ -15865,7 +18859,7 @@
           <a:p>
             <a:fld id="{7B6281DD-3C82-438C-A3C5-34024A1D8586}" type="datetimeFigureOut">
               <a:rPr lang="zh-CN" altLang="en-US" smtClean="0"/>
-              <a:t>2019-08-09</a:t>
+              <a:t>2019-08-27</a:t>
             </a:fld>
             <a:endParaRPr lang="zh-CN" altLang="en-US"/>
           </a:p>
@@ -16063,7 +19057,7 @@
           <a:p>
             <a:fld id="{7B6281DD-3C82-438C-A3C5-34024A1D8586}" type="datetimeFigureOut">
               <a:rPr lang="zh-CN" altLang="en-US" smtClean="0"/>
-              <a:t>2019-08-09</a:t>
+              <a:t>2019-08-27</a:t>
             </a:fld>
             <a:endParaRPr lang="zh-CN" altLang="en-US"/>
           </a:p>
@@ -16271,7 +19265,7 @@
           <a:p>
             <a:fld id="{7B6281DD-3C82-438C-A3C5-34024A1D8586}" type="datetimeFigureOut">
               <a:rPr lang="zh-CN" altLang="en-US" smtClean="0"/>
-              <a:t>2019-08-09</a:t>
+              <a:t>2019-08-27</a:t>
             </a:fld>
             <a:endParaRPr lang="zh-CN" altLang="en-US"/>
           </a:p>
@@ -16546,7 +19540,7 @@
           <a:p>
             <a:fld id="{DCDC810A-AE55-4141-9E49-8A70D70B0766}" type="datetimeFigureOut">
               <a:rPr lang="zh-CN" altLang="en-US" smtClean="0"/>
-              <a:t>2019-08-09</a:t>
+              <a:t>2019-08-27</a:t>
             </a:fld>
             <a:endParaRPr lang="zh-CN" altLang="en-US"/>
           </a:p>
@@ -16811,7 +19805,7 @@
           <a:p>
             <a:fld id="{DCDC810A-AE55-4141-9E49-8A70D70B0766}" type="datetimeFigureOut">
               <a:rPr lang="zh-CN" altLang="en-US" smtClean="0"/>
-              <a:t>2019-08-09</a:t>
+              <a:t>2019-08-27</a:t>
             </a:fld>
             <a:endParaRPr lang="zh-CN" altLang="en-US"/>
           </a:p>
@@ -17223,7 +20217,7 @@
           <a:p>
             <a:fld id="{DCDC810A-AE55-4141-9E49-8A70D70B0766}" type="datetimeFigureOut">
               <a:rPr lang="zh-CN" altLang="en-US" smtClean="0"/>
-              <a:t>2019-08-09</a:t>
+              <a:t>2019-08-27</a:t>
             </a:fld>
             <a:endParaRPr lang="zh-CN" altLang="en-US"/>
           </a:p>
@@ -17364,7 +20358,7 @@
           <a:p>
             <a:fld id="{DCDC810A-AE55-4141-9E49-8A70D70B0766}" type="datetimeFigureOut">
               <a:rPr lang="zh-CN" altLang="en-US" smtClean="0"/>
-              <a:t>2019-08-09</a:t>
+              <a:t>2019-08-27</a:t>
             </a:fld>
             <a:endParaRPr lang="zh-CN" altLang="en-US"/>
           </a:p>
@@ -17477,7 +20471,7 @@
           <a:p>
             <a:fld id="{DCDC810A-AE55-4141-9E49-8A70D70B0766}" type="datetimeFigureOut">
               <a:rPr lang="zh-CN" altLang="en-US" smtClean="0"/>
-              <a:t>2019-08-09</a:t>
+              <a:t>2019-08-27</a:t>
             </a:fld>
             <a:endParaRPr lang="zh-CN" altLang="en-US"/>
           </a:p>
@@ -17788,7 +20782,7 @@
           <a:p>
             <a:fld id="{DCDC810A-AE55-4141-9E49-8A70D70B0766}" type="datetimeFigureOut">
               <a:rPr lang="zh-CN" altLang="en-US" smtClean="0"/>
-              <a:t>2019-08-09</a:t>
+              <a:t>2019-08-27</a:t>
             </a:fld>
             <a:endParaRPr lang="zh-CN" altLang="en-US"/>
           </a:p>
@@ -18076,7 +21070,7 @@
           <a:p>
             <a:fld id="{DCDC810A-AE55-4141-9E49-8A70D70B0766}" type="datetimeFigureOut">
               <a:rPr lang="zh-CN" altLang="en-US" smtClean="0"/>
-              <a:t>2019-08-09</a:t>
+              <a:t>2019-08-27</a:t>
             </a:fld>
             <a:endParaRPr lang="zh-CN" altLang="en-US"/>
           </a:p>
@@ -18317,7 +21311,7 @@
           <a:p>
             <a:fld id="{DCDC810A-AE55-4141-9E49-8A70D70B0766}" type="datetimeFigureOut">
               <a:rPr lang="zh-CN" altLang="en-US" smtClean="0"/>
-              <a:t>2019-08-09</a:t>
+              <a:t>2019-08-27</a:t>
             </a:fld>
             <a:endParaRPr lang="zh-CN" altLang="en-US"/>
           </a:p>
@@ -18885,7 +21879,7 @@
           <a:p>
             <a:fld id="{7B6281DD-3C82-438C-A3C5-34024A1D8586}" type="datetimeFigureOut">
               <a:rPr lang="zh-CN" altLang="en-US" smtClean="0"/>
-              <a:t>2019-08-09</a:t>
+              <a:t>2019-08-27</a:t>
             </a:fld>
             <a:endParaRPr lang="zh-CN" altLang="en-US"/>
           </a:p>
@@ -20659,6 +23653,34 @@
           </a:prstGeom>
         </p:spPr>
       </p:pic>
+      <p:graphicFrame>
+        <p:nvGraphicFramePr>
+          <p:cNvPr id="4" name="图示 3">
+            <a:extLst>
+              <a:ext uri="{FF2B5EF4-FFF2-40B4-BE49-F238E27FC236}">
+                <a16:creationId xmlns:a16="http://schemas.microsoft.com/office/drawing/2014/main" id="{E2AC034F-7F81-4E94-8C28-9A4271982E4B}"/>
+              </a:ext>
+            </a:extLst>
+          </p:cNvPr>
+          <p:cNvGraphicFramePr/>
+          <p:nvPr>
+            <p:extLst>
+              <p:ext uri="{D42A27DB-BD31-4B8C-83A1-F6EECF244321}">
+                <p14:modId xmlns:p14="http://schemas.microsoft.com/office/powerpoint/2010/main" val="3311101549"/>
+              </p:ext>
+            </p:extLst>
+          </p:nvPr>
+        </p:nvGraphicFramePr>
+        <p:xfrm>
+          <a:off x="2032000" y="719666"/>
+          <a:ext cx="8128000" cy="5418667"/>
+        </p:xfrm>
+        <a:graphic>
+          <a:graphicData uri="http://schemas.openxmlformats.org/drawingml/2006/diagram">
+            <dgm:relIds xmlns:dgm="http://schemas.openxmlformats.org/drawingml/2006/diagram" xmlns:r="http://schemas.openxmlformats.org/officeDocument/2006/relationships" r:dm="rId5" r:lo="rId6" r:qs="rId7" r:cs="rId8"/>
+          </a:graphicData>
+        </a:graphic>
+      </p:graphicFrame>
     </p:spTree>
     <p:extLst>
       <p:ext uri="{BB962C8B-B14F-4D97-AF65-F5344CB8AC3E}">

--- a/src/test/resources/Test.pptx
+++ b/src/test/resources/Test.pptx
@@ -5610,7 +5610,7 @@
       <dgm:spPr/>
     </dgm:pt>
     <dgm:pt modelId="{9D2DB15B-6517-43F8-9B18-66B7B65B50DD}" type="pres">
-      <dgm:prSet presAssocID="{C506D415-B563-485B-AF23-22FD75906271}" presName="picture_1" presStyleLbl="bgImgPlace1" presStyleIdx="0" presStyleCnt="1"/>
+      <dgm:prSet presAssocID="{C506D415-B563-485B-AF23-22FD75906271}" presName="picture_1" presStyleLbl="bgImgPlace1" presStyleIdx="0" presStyleCnt="1" custLinFactNeighborX="-59312" custLinFactNeighborY="-8894"/>
       <dgm:spPr/>
     </dgm:pt>
     <dgm:pt modelId="{81706A52-5F8B-4F5C-806C-47C2DE38A756}" type="pres">
@@ -8596,7 +8596,7 @@
       </dsp:nvSpPr>
       <dsp:spPr>
         <a:xfrm>
-          <a:off x="1620631" y="369688"/>
+          <a:off x="0" y="0"/>
           <a:ext cx="3861645" cy="4925568"/>
         </a:xfrm>
         <a:prstGeom prst="roundRect">
@@ -16032,7 +16032,7 @@
           <a:p>
             <a:fld id="{DCDC810A-AE55-4141-9E49-8A70D70B0766}" type="datetimeFigureOut">
               <a:rPr lang="zh-CN" altLang="en-US" smtClean="0"/>
-              <a:t>2019-08-27</a:t>
+              <a:t>2019-08-29</a:t>
             </a:fld>
             <a:endParaRPr lang="zh-CN" altLang="en-US"/>
           </a:p>
@@ -16230,7 +16230,7 @@
           <a:p>
             <a:fld id="{DCDC810A-AE55-4141-9E49-8A70D70B0766}" type="datetimeFigureOut">
               <a:rPr lang="zh-CN" altLang="en-US" smtClean="0"/>
-              <a:t>2019-08-27</a:t>
+              <a:t>2019-08-29</a:t>
             </a:fld>
             <a:endParaRPr lang="zh-CN" altLang="en-US"/>
           </a:p>
@@ -16438,7 +16438,7 @@
           <a:p>
             <a:fld id="{DCDC810A-AE55-4141-9E49-8A70D70B0766}" type="datetimeFigureOut">
               <a:rPr lang="zh-CN" altLang="en-US" smtClean="0"/>
-              <a:t>2019-08-27</a:t>
+              <a:t>2019-08-29</a:t>
             </a:fld>
             <a:endParaRPr lang="zh-CN" altLang="en-US"/>
           </a:p>
@@ -16658,7 +16658,7 @@
           <a:p>
             <a:fld id="{7B6281DD-3C82-438C-A3C5-34024A1D8586}" type="datetimeFigureOut">
               <a:rPr lang="zh-CN" altLang="en-US" smtClean="0"/>
-              <a:t>2019-08-27</a:t>
+              <a:t>2019-08-29</a:t>
             </a:fld>
             <a:endParaRPr lang="zh-CN" altLang="en-US"/>
           </a:p>
@@ -16856,7 +16856,7 @@
           <a:p>
             <a:fld id="{7B6281DD-3C82-438C-A3C5-34024A1D8586}" type="datetimeFigureOut">
               <a:rPr lang="zh-CN" altLang="en-US" smtClean="0"/>
-              <a:t>2019-08-27</a:t>
+              <a:t>2019-08-29</a:t>
             </a:fld>
             <a:endParaRPr lang="zh-CN" altLang="en-US"/>
           </a:p>
@@ -17131,7 +17131,7 @@
           <a:p>
             <a:fld id="{7B6281DD-3C82-438C-A3C5-34024A1D8586}" type="datetimeFigureOut">
               <a:rPr lang="zh-CN" altLang="en-US" smtClean="0"/>
-              <a:t>2019-08-27</a:t>
+              <a:t>2019-08-29</a:t>
             </a:fld>
             <a:endParaRPr lang="zh-CN" altLang="en-US"/>
           </a:p>
@@ -17396,7 +17396,7 @@
           <a:p>
             <a:fld id="{7B6281DD-3C82-438C-A3C5-34024A1D8586}" type="datetimeFigureOut">
               <a:rPr lang="zh-CN" altLang="en-US" smtClean="0"/>
-              <a:t>2019-08-27</a:t>
+              <a:t>2019-08-29</a:t>
             </a:fld>
             <a:endParaRPr lang="zh-CN" altLang="en-US"/>
           </a:p>
@@ -17808,7 +17808,7 @@
           <a:p>
             <a:fld id="{7B6281DD-3C82-438C-A3C5-34024A1D8586}" type="datetimeFigureOut">
               <a:rPr lang="zh-CN" altLang="en-US" smtClean="0"/>
-              <a:t>2019-08-27</a:t>
+              <a:t>2019-08-29</a:t>
             </a:fld>
             <a:endParaRPr lang="zh-CN" altLang="en-US"/>
           </a:p>
@@ -17949,7 +17949,7 @@
           <a:p>
             <a:fld id="{7B6281DD-3C82-438C-A3C5-34024A1D8586}" type="datetimeFigureOut">
               <a:rPr lang="zh-CN" altLang="en-US" smtClean="0"/>
-              <a:t>2019-08-27</a:t>
+              <a:t>2019-08-29</a:t>
             </a:fld>
             <a:endParaRPr lang="zh-CN" altLang="en-US"/>
           </a:p>
@@ -18062,7 +18062,7 @@
           <a:p>
             <a:fld id="{7B6281DD-3C82-438C-A3C5-34024A1D8586}" type="datetimeFigureOut">
               <a:rPr lang="zh-CN" altLang="en-US" smtClean="0"/>
-              <a:t>2019-08-27</a:t>
+              <a:t>2019-08-29</a:t>
             </a:fld>
             <a:endParaRPr lang="zh-CN" altLang="en-US"/>
           </a:p>
@@ -18373,7 +18373,7 @@
           <a:p>
             <a:fld id="{7B6281DD-3C82-438C-A3C5-34024A1D8586}" type="datetimeFigureOut">
               <a:rPr lang="zh-CN" altLang="en-US" smtClean="0"/>
-              <a:t>2019-08-27</a:t>
+              <a:t>2019-08-29</a:t>
             </a:fld>
             <a:endParaRPr lang="zh-CN" altLang="en-US"/>
           </a:p>
@@ -18571,7 +18571,7 @@
           <a:p>
             <a:fld id="{DCDC810A-AE55-4141-9E49-8A70D70B0766}" type="datetimeFigureOut">
               <a:rPr lang="zh-CN" altLang="en-US" smtClean="0"/>
-              <a:t>2019-08-27</a:t>
+              <a:t>2019-08-29</a:t>
             </a:fld>
             <a:endParaRPr lang="zh-CN" altLang="en-US"/>
           </a:p>
@@ -18859,7 +18859,7 @@
           <a:p>
             <a:fld id="{7B6281DD-3C82-438C-A3C5-34024A1D8586}" type="datetimeFigureOut">
               <a:rPr lang="zh-CN" altLang="en-US" smtClean="0"/>
-              <a:t>2019-08-27</a:t>
+              <a:t>2019-08-29</a:t>
             </a:fld>
             <a:endParaRPr lang="zh-CN" altLang="en-US"/>
           </a:p>
@@ -19057,7 +19057,7 @@
           <a:p>
             <a:fld id="{7B6281DD-3C82-438C-A3C5-34024A1D8586}" type="datetimeFigureOut">
               <a:rPr lang="zh-CN" altLang="en-US" smtClean="0"/>
-              <a:t>2019-08-27</a:t>
+              <a:t>2019-08-29</a:t>
             </a:fld>
             <a:endParaRPr lang="zh-CN" altLang="en-US"/>
           </a:p>
@@ -19265,7 +19265,7 @@
           <a:p>
             <a:fld id="{7B6281DD-3C82-438C-A3C5-34024A1D8586}" type="datetimeFigureOut">
               <a:rPr lang="zh-CN" altLang="en-US" smtClean="0"/>
-              <a:t>2019-08-27</a:t>
+              <a:t>2019-08-29</a:t>
             </a:fld>
             <a:endParaRPr lang="zh-CN" altLang="en-US"/>
           </a:p>
@@ -19540,7 +19540,7 @@
           <a:p>
             <a:fld id="{DCDC810A-AE55-4141-9E49-8A70D70B0766}" type="datetimeFigureOut">
               <a:rPr lang="zh-CN" altLang="en-US" smtClean="0"/>
-              <a:t>2019-08-27</a:t>
+              <a:t>2019-08-29</a:t>
             </a:fld>
             <a:endParaRPr lang="zh-CN" altLang="en-US"/>
           </a:p>
@@ -19805,7 +19805,7 @@
           <a:p>
             <a:fld id="{DCDC810A-AE55-4141-9E49-8A70D70B0766}" type="datetimeFigureOut">
               <a:rPr lang="zh-CN" altLang="en-US" smtClean="0"/>
-              <a:t>2019-08-27</a:t>
+              <a:t>2019-08-29</a:t>
             </a:fld>
             <a:endParaRPr lang="zh-CN" altLang="en-US"/>
           </a:p>
@@ -20217,7 +20217,7 @@
           <a:p>
             <a:fld id="{DCDC810A-AE55-4141-9E49-8A70D70B0766}" type="datetimeFigureOut">
               <a:rPr lang="zh-CN" altLang="en-US" smtClean="0"/>
-              <a:t>2019-08-27</a:t>
+              <a:t>2019-08-29</a:t>
             </a:fld>
             <a:endParaRPr lang="zh-CN" altLang="en-US"/>
           </a:p>
@@ -20358,7 +20358,7 @@
           <a:p>
             <a:fld id="{DCDC810A-AE55-4141-9E49-8A70D70B0766}" type="datetimeFigureOut">
               <a:rPr lang="zh-CN" altLang="en-US" smtClean="0"/>
-              <a:t>2019-08-27</a:t>
+              <a:t>2019-08-29</a:t>
             </a:fld>
             <a:endParaRPr lang="zh-CN" altLang="en-US"/>
           </a:p>
@@ -20471,7 +20471,7 @@
           <a:p>
             <a:fld id="{DCDC810A-AE55-4141-9E49-8A70D70B0766}" type="datetimeFigureOut">
               <a:rPr lang="zh-CN" altLang="en-US" smtClean="0"/>
-              <a:t>2019-08-27</a:t>
+              <a:t>2019-08-29</a:t>
             </a:fld>
             <a:endParaRPr lang="zh-CN" altLang="en-US"/>
           </a:p>
@@ -20782,7 +20782,7 @@
           <a:p>
             <a:fld id="{DCDC810A-AE55-4141-9E49-8A70D70B0766}" type="datetimeFigureOut">
               <a:rPr lang="zh-CN" altLang="en-US" smtClean="0"/>
-              <a:t>2019-08-27</a:t>
+              <a:t>2019-08-29</a:t>
             </a:fld>
             <a:endParaRPr lang="zh-CN" altLang="en-US"/>
           </a:p>
@@ -21070,7 +21070,7 @@
           <a:p>
             <a:fld id="{DCDC810A-AE55-4141-9E49-8A70D70B0766}" type="datetimeFigureOut">
               <a:rPr lang="zh-CN" altLang="en-US" smtClean="0"/>
-              <a:t>2019-08-27</a:t>
+              <a:t>2019-08-29</a:t>
             </a:fld>
             <a:endParaRPr lang="zh-CN" altLang="en-US"/>
           </a:p>
@@ -21311,7 +21311,7 @@
           <a:p>
             <a:fld id="{DCDC810A-AE55-4141-9E49-8A70D70B0766}" type="datetimeFigureOut">
               <a:rPr lang="zh-CN" altLang="en-US" smtClean="0"/>
-              <a:t>2019-08-27</a:t>
+              <a:t>2019-08-29</a:t>
             </a:fld>
             <a:endParaRPr lang="zh-CN" altLang="en-US"/>
           </a:p>
@@ -21879,7 +21879,7 @@
           <a:p>
             <a:fld id="{7B6281DD-3C82-438C-A3C5-34024A1D8586}" type="datetimeFigureOut">
               <a:rPr lang="zh-CN" altLang="en-US" smtClean="0"/>
-              <a:t>2019-08-27</a:t>
+              <a:t>2019-08-29</a:t>
             </a:fld>
             <a:endParaRPr lang="zh-CN" altLang="en-US"/>
           </a:p>
@@ -23666,13 +23666,13 @@
           <p:nvPr>
             <p:extLst>
               <p:ext uri="{D42A27DB-BD31-4B8C-83A1-F6EECF244321}">
-                <p14:modId xmlns:p14="http://schemas.microsoft.com/office/powerpoint/2010/main" val="3311101549"/>
+                <p14:modId xmlns:p14="http://schemas.microsoft.com/office/powerpoint/2010/main" val="2839030403"/>
               </p:ext>
             </p:extLst>
           </p:nvPr>
         </p:nvGraphicFramePr>
         <p:xfrm>
-          <a:off x="2032000" y="719666"/>
+          <a:off x="132179" y="719666"/>
           <a:ext cx="8128000" cy="5418667"/>
         </p:xfrm>
         <a:graphic>
@@ -23781,7 +23781,7 @@
               </p:nextCondLst>
             </p:seq>
             <p:audio>
-              <p:cMediaNode vol="80000" showWhenStopped="0">
+              <p:cMediaNode vol="80000">
                 <p:cTn id="10" fill="hold" display="0">
                   <p:stCondLst>
                     <p:cond delay="indefinite"/>
